--- a/非受控文件/翻转ppt/PRD2018-G08-UML基础IIIV0.2.pptx
+++ b/非受控文件/翻转ppt/PRD2018-G08-UML基础IIIV0.2.pptx
@@ -19,8 +19,8 @@
     <p:sldId id="260" r:id="rId10"/>
     <p:sldId id="270" r:id="rId11"/>
     <p:sldId id="271" r:id="rId12"/>
-    <p:sldId id="301" r:id="rId13"/>
-    <p:sldId id="300" r:id="rId14"/>
+    <p:sldId id="300" r:id="rId13"/>
+    <p:sldId id="301" r:id="rId14"/>
     <p:sldId id="299" r:id="rId15"/>
     <p:sldId id="298" r:id="rId16"/>
     <p:sldId id="272" r:id="rId17"/>
@@ -1364,22 +1364,33 @@
           <a:bodyPr/>
           <a:lstStyle/>
           <a:p>
-            <a:r>
-              <a:rPr lang="zh-CN" altLang="en-US" dirty="0" smtClean="0"/>
-              <a:t>就是最常见的包表示法。图中包的名称是</a:t>
-            </a:r>
-            <a:r>
-              <a:rPr lang="en-US" altLang="zh-CN" dirty="0" smtClean="0"/>
-              <a:t>UI</a:t>
-            </a:r>
-            <a:r>
-              <a:rPr lang="zh-CN" altLang="en-US" dirty="0" smtClean="0"/>
-              <a:t>，包中包含一个类</a:t>
-            </a:r>
-            <a:r>
-              <a:rPr lang="en-US" altLang="zh-CN" dirty="0" smtClean="0"/>
-              <a:t>Page</a:t>
-            </a:r>
+            <a:pPr eaLnBrk="1" hangingPunct="1"/>
+            <a:r>
+              <a:rPr lang="zh-CN" altLang="en-US" sz="1200" dirty="0" smtClean="0"/>
+              <a:t>构件图是对</a:t>
+            </a:r>
+            <a:r>
+              <a:rPr lang="en-US" altLang="zh-CN" sz="1200" dirty="0" smtClean="0"/>
+              <a:t>OO</a:t>
+            </a:r>
+            <a:r>
+              <a:rPr lang="zh-CN" altLang="en-US" sz="1200" dirty="0" smtClean="0"/>
+              <a:t>系统物理方面建模的</a:t>
+            </a:r>
+            <a:r>
+              <a:rPr lang="en-US" altLang="zh-CN" sz="1200" dirty="0" smtClean="0"/>
+              <a:t>2</a:t>
+            </a:r>
+            <a:r>
+              <a:rPr lang="zh-CN" altLang="en-US" sz="1200" dirty="0" smtClean="0"/>
+              <a:t>个图之一。</a:t>
+            </a:r>
+          </a:p>
+          <a:p>
+            <a:pPr eaLnBrk="1" hangingPunct="1"/>
+            <a:endParaRPr lang="en-US" altLang="zh-CN" sz="1200" dirty="0" smtClean="0"/>
+          </a:p>
+          <a:p>
             <a:endParaRPr lang="zh-CN" altLang="en-US" dirty="0"/>
           </a:p>
         </p:txBody>
@@ -1401,7 +1412,7 @@
           <a:p>
             <a:fld id="{C739C484-9DE3-48BB-B860-263283D3CD64}" type="slidenum">
               <a:rPr lang="zh-CN" altLang="en-US" smtClean="0"/>
-              <a:t>21</a:t>
+              <a:t>10</a:t>
             </a:fld>
             <a:endParaRPr lang="zh-CN" altLang="en-US"/>
           </a:p>
@@ -1410,7 +1421,7 @@
     </p:spTree>
     <p:extLst>
       <p:ext uri="{BB962C8B-B14F-4D97-AF65-F5344CB8AC3E}">
-        <p14:creationId xmlns:p14="http://schemas.microsoft.com/office/powerpoint/2010/main" val="3531334918"/>
+        <p14:creationId xmlns:p14="http://schemas.microsoft.com/office/powerpoint/2010/main" val="1173166918"/>
       </p:ext>
     </p:extLst>
   </p:cSld>
@@ -1501,6 +1512,106 @@
           <a:p>
             <a:fld id="{C739C484-9DE3-48BB-B860-263283D3CD64}" type="slidenum">
               <a:rPr lang="zh-CN" altLang="en-US" smtClean="0"/>
+              <a:t>21</a:t>
+            </a:fld>
+            <a:endParaRPr lang="zh-CN" altLang="en-US"/>
+          </a:p>
+        </p:txBody>
+      </p:sp>
+    </p:spTree>
+    <p:extLst>
+      <p:ext uri="{BB962C8B-B14F-4D97-AF65-F5344CB8AC3E}">
+        <p14:creationId xmlns:p14="http://schemas.microsoft.com/office/powerpoint/2010/main" val="3531334918"/>
+      </p:ext>
+    </p:extLst>
+  </p:cSld>
+  <p:clrMapOvr>
+    <a:masterClrMapping/>
+  </p:clrMapOvr>
+</p:notes>
+</file>
+
+<file path=ppt/notesSlides/notesSlide7.xml><?xml version="1.0" encoding="utf-8"?>
+<p:notes xmlns:a="http://schemas.openxmlformats.org/drawingml/2006/main" xmlns:r="http://schemas.openxmlformats.org/officeDocument/2006/relationships" xmlns:p="http://schemas.openxmlformats.org/presentationml/2006/main">
+  <p:cSld>
+    <p:spTree>
+      <p:nvGrpSpPr>
+        <p:cNvPr id="1" name=""/>
+        <p:cNvGrpSpPr/>
+        <p:nvPr/>
+      </p:nvGrpSpPr>
+      <p:grpSpPr>
+        <a:xfrm>
+          <a:off x="0" y="0"/>
+          <a:ext cx="0" cy="0"/>
+          <a:chOff x="0" y="0"/>
+          <a:chExt cx="0" cy="0"/>
+        </a:xfrm>
+      </p:grpSpPr>
+      <p:sp>
+        <p:nvSpPr>
+          <p:cNvPr id="2" name="幻灯片图像占位符 1"/>
+          <p:cNvSpPr>
+            <a:spLocks noGrp="1" noRot="1" noChangeAspect="1"/>
+          </p:cNvSpPr>
+          <p:nvPr>
+            <p:ph type="sldImg"/>
+          </p:nvPr>
+        </p:nvSpPr>
+        <p:spPr/>
+      </p:sp>
+      <p:sp>
+        <p:nvSpPr>
+          <p:cNvPr id="3" name="备注占位符 2"/>
+          <p:cNvSpPr>
+            <a:spLocks noGrp="1"/>
+          </p:cNvSpPr>
+          <p:nvPr>
+            <p:ph type="body" idx="1"/>
+          </p:nvPr>
+        </p:nvSpPr>
+        <p:spPr/>
+        <p:txBody>
+          <a:bodyPr/>
+          <a:lstStyle/>
+          <a:p>
+            <a:r>
+              <a:rPr lang="zh-CN" altLang="en-US" dirty="0" smtClean="0"/>
+              <a:t>就是最常见的包表示法。图中包的名称是</a:t>
+            </a:r>
+            <a:r>
+              <a:rPr lang="en-US" altLang="zh-CN" dirty="0" smtClean="0"/>
+              <a:t>UI</a:t>
+            </a:r>
+            <a:r>
+              <a:rPr lang="zh-CN" altLang="en-US" dirty="0" smtClean="0"/>
+              <a:t>，包中包含一个类</a:t>
+            </a:r>
+            <a:r>
+              <a:rPr lang="en-US" altLang="zh-CN" dirty="0" smtClean="0"/>
+              <a:t>Page</a:t>
+            </a:r>
+            <a:endParaRPr lang="zh-CN" altLang="en-US" dirty="0"/>
+          </a:p>
+        </p:txBody>
+      </p:sp>
+      <p:sp>
+        <p:nvSpPr>
+          <p:cNvPr id="4" name="灯片编号占位符 3"/>
+          <p:cNvSpPr>
+            <a:spLocks noGrp="1"/>
+          </p:cNvSpPr>
+          <p:nvPr>
+            <p:ph type="sldNum" sz="quarter" idx="10"/>
+          </p:nvPr>
+        </p:nvSpPr>
+        <p:spPr/>
+        <p:txBody>
+          <a:bodyPr/>
+          <a:lstStyle/>
+          <a:p>
+            <a:fld id="{C739C484-9DE3-48BB-B860-263283D3CD64}" type="slidenum">
+              <a:rPr lang="zh-CN" altLang="en-US" smtClean="0"/>
               <a:t>22</a:t>
             </a:fld>
             <a:endParaRPr lang="zh-CN" altLang="en-US"/>
@@ -1520,7 +1631,7 @@
 </p:notes>
 </file>
 
-<file path=ppt/notesSlides/notesSlide7.xml><?xml version="1.0" encoding="utf-8"?>
+<file path=ppt/notesSlides/notesSlide8.xml><?xml version="1.0" encoding="utf-8"?>
 <p:notes xmlns:a="http://schemas.openxmlformats.org/drawingml/2006/main" xmlns:r="http://schemas.openxmlformats.org/officeDocument/2006/relationships" xmlns:p="http://schemas.openxmlformats.org/presentationml/2006/main">
   <p:cSld>
     <p:spTree>
@@ -4784,7 +4895,23 @@
                   <a:schemeClr val="bg1"/>
                 </a:solidFill>
               </a:rPr>
-              <a:t>构件图定义</a:t>
+              <a:t>构件</a:t>
+            </a:r>
+            <a:r>
+              <a:rPr lang="zh-CN" altLang="en-US" dirty="0" smtClean="0">
+                <a:solidFill>
+                  <a:schemeClr val="bg1"/>
+                </a:solidFill>
+              </a:rPr>
+              <a:t>图</a:t>
+            </a:r>
+            <a:r>
+              <a:rPr lang="zh-CN" altLang="en-US" dirty="0">
+                <a:solidFill>
+                  <a:schemeClr val="bg1"/>
+                </a:solidFill>
+              </a:rPr>
+              <a:t>概念</a:t>
             </a:r>
             <a:r>
               <a:rPr lang="en-US" altLang="zh-CN" dirty="0" smtClean="0">
@@ -4792,7 +4919,15 @@
                   <a:schemeClr val="bg1"/>
                 </a:solidFill>
               </a:rPr>
-              <a:t>[1]</a:t>
+              <a:t>[1</a:t>
+            </a:r>
+            <a:r>
+              <a:rPr lang="en-US" altLang="zh-CN" dirty="0" smtClean="0">
+                <a:solidFill>
+                  <a:schemeClr val="bg1"/>
+                </a:solidFill>
+              </a:rPr>
+              <a:t>]</a:t>
             </a:r>
             <a:endParaRPr lang="zh-CN" altLang="en-US" dirty="0">
               <a:solidFill>
@@ -4810,7 +4945,7 @@
         </p:nvSpPr>
         <p:spPr>
           <a:xfrm>
-            <a:off x="2193233" y="1769683"/>
+            <a:off x="2193233" y="1752266"/>
             <a:ext cx="7868659" cy="4524315"/>
           </a:xfrm>
           <a:prstGeom prst="rect">
@@ -4829,16 +4964,10 @@
                 <a:solidFill>
                   <a:schemeClr val="bg1"/>
                 </a:solidFill>
-              </a:rPr>
-              <a:t> </a:t>
-            </a:r>
-            <a:r>
-              <a:rPr lang="en-US" altLang="zh-CN" sz="3200" b="1" dirty="0" smtClean="0">
-                <a:solidFill>
-                  <a:schemeClr val="bg1"/>
-                </a:solidFill>
-              </a:rPr>
-              <a:t>      1</a:t>
+                <a:latin typeface="+mn-ea"/>
+                <a:sym typeface="Wingdings 2" pitchFamily="18" charset="2"/>
+              </a:rPr>
+              <a:t></a:t>
             </a:r>
             <a:r>
               <a:rPr lang="zh-CN" altLang="en-US" sz="3200" b="1" dirty="0" smtClean="0">
@@ -4846,7 +4975,15 @@
                   <a:schemeClr val="bg1"/>
                 </a:solidFill>
               </a:rPr>
-              <a:t>、构件是系统中实际存在的可更换部分，它实现特定的功能，符合一套接口标准并实现一组接口。</a:t>
+              <a:t>构件</a:t>
+            </a:r>
+            <a:r>
+              <a:rPr lang="zh-CN" altLang="en-US" sz="3200" b="1" dirty="0">
+                <a:solidFill>
+                  <a:schemeClr val="bg1"/>
+                </a:solidFill>
+              </a:rPr>
+              <a:t>图提供当前模型的物理视图，对系统的静态实现视图建模。构件图显示一个系统物理设计时，构件所映射的类和对象的配置。</a:t>
             </a:r>
           </a:p>
           <a:p>
@@ -4855,16 +4992,10 @@
                 <a:solidFill>
                   <a:schemeClr val="bg1"/>
                 </a:solidFill>
-              </a:rPr>
-              <a:t> </a:t>
-            </a:r>
-            <a:r>
-              <a:rPr lang="en-US" altLang="zh-CN" sz="3200" b="1" dirty="0" smtClean="0">
-                <a:solidFill>
-                  <a:schemeClr val="bg1"/>
-                </a:solidFill>
-              </a:rPr>
-              <a:t>      2</a:t>
+                <a:latin typeface="+mn-ea"/>
+                <a:sym typeface="Wingdings 2" pitchFamily="18" charset="2"/>
+              </a:rPr>
+              <a:t></a:t>
             </a:r>
             <a:r>
               <a:rPr lang="zh-CN" altLang="en-US" sz="3200" b="1" dirty="0" smtClean="0">
@@ -4872,17 +5003,15 @@
                   <a:schemeClr val="bg1"/>
                 </a:solidFill>
               </a:rPr>
-              <a:t>、构件代表系统中的一部分物理实施，包括软件代码（源代码、二进制代码或可执行代码）或其等价物（如脚本或命令文件）。</a:t>
-            </a:r>
-          </a:p>
-          <a:p>
-            <a:r>
-              <a:rPr lang="en-US" altLang="zh-CN" sz="3200" b="1" dirty="0" smtClean="0">
-                <a:solidFill>
-                  <a:schemeClr val="bg1"/>
-                </a:solidFill>
-              </a:rPr>
-              <a:t>       3</a:t>
+              <a:t>一</a:t>
+            </a:r>
+            <a:r>
+              <a:rPr lang="zh-CN" altLang="en-US" sz="3200" b="1" dirty="0">
+                <a:solidFill>
+                  <a:schemeClr val="bg1"/>
+                </a:solidFill>
+              </a:rPr>
+              <a:t>个构件图可以表示一个系统全部或者部分的构件体系。从组织内容看，构件图显示软件构件的组织以及构件之间的依赖关系，包括源代码构件、二进制代码构件以及可执行构件</a:t>
             </a:r>
             <a:r>
               <a:rPr lang="zh-CN" altLang="en-US" sz="3200" b="1" dirty="0" smtClean="0">
@@ -4890,7 +5019,7 @@
                   <a:schemeClr val="bg1"/>
                 </a:solidFill>
               </a:rPr>
-              <a:t>、每个构件可以单独实现一定的功能，为其他构件提供使用接口。</a:t>
+              <a:t>。</a:t>
             </a:r>
             <a:endParaRPr lang="zh-CN" altLang="en-US" sz="3200" b="1" dirty="0">
               <a:solidFill>
@@ -5156,6 +5285,7 @@
                 <a:solidFill>
                   <a:schemeClr val="bg1"/>
                 </a:solidFill>
+                <a:latin typeface="+mn-ea"/>
               </a:rPr>
               <a:t>1、构件</a:t>
             </a:r>
@@ -5166,6 +5296,7 @@
                 <a:solidFill>
                   <a:schemeClr val="bg1"/>
                 </a:solidFill>
+                <a:latin typeface="+mn-ea"/>
               </a:rPr>
               <a:t>2、关系：依赖，实现</a:t>
             </a:r>
@@ -5176,6 +5307,7 @@
                 <a:solidFill>
                   <a:schemeClr val="bg1"/>
                 </a:solidFill>
+                <a:latin typeface="+mn-ea"/>
               </a:rPr>
               <a:t>依赖：构件之间</a:t>
             </a:r>
@@ -5186,6 +5318,7 @@
                 <a:solidFill>
                   <a:schemeClr val="bg1"/>
                 </a:solidFill>
+                <a:latin typeface="+mn-ea"/>
               </a:rPr>
               <a:t>实现：构件和接口</a:t>
             </a:r>
@@ -5196,13 +5329,51 @@
                 <a:solidFill>
                   <a:schemeClr val="bg1"/>
                 </a:solidFill>
-              </a:rPr>
-              <a:t>3、接口</a:t>
+                <a:latin typeface="+mn-ea"/>
+              </a:rPr>
+              <a:t>3、</a:t>
+            </a:r>
+            <a:r>
+              <a:rPr lang="zh-CN" altLang="en-US" sz="3200" b="1" dirty="0" smtClean="0">
+                <a:solidFill>
+                  <a:schemeClr val="bg1"/>
+                </a:solidFill>
+                <a:latin typeface="+mn-ea"/>
+              </a:rPr>
+              <a:t>接口</a:t>
+            </a:r>
+            <a:r>
+              <a:rPr lang="en-US" altLang="zh-CN" sz="3200" b="1" dirty="0" smtClean="0">
+                <a:solidFill>
+                  <a:schemeClr val="bg1"/>
+                </a:solidFill>
+                <a:latin typeface="+mn-ea"/>
+              </a:rPr>
+              <a:t>(</a:t>
+            </a:r>
+            <a:r>
+              <a:rPr lang="zh-CN" altLang="en-US" sz="3200" b="1" dirty="0">
+                <a:solidFill>
+                  <a:schemeClr val="bg1"/>
+                </a:solidFill>
+                <a:latin typeface="+mn-ea"/>
+              </a:rPr>
+              <a:t>一组供给接口，一组需求接口</a:t>
+            </a:r>
+            <a:r>
+              <a:rPr lang="en-US" altLang="zh-CN" sz="3200" b="1" dirty="0" smtClean="0">
+                <a:solidFill>
+                  <a:schemeClr val="bg1"/>
+                </a:solidFill>
+                <a:latin typeface="+mn-ea"/>
+              </a:rPr>
+              <a:t>)</a:t>
             </a:r>
             <a:endParaRPr lang="zh-CN" altLang="en-US" sz="3200" b="1" dirty="0">
               <a:solidFill>
                 <a:schemeClr val="bg1"/>
               </a:solidFill>
+              <a:latin typeface="+mn-ea"/>
             </a:endParaRPr>
           </a:p>
         </p:txBody>
@@ -5422,15 +5593,7 @@
                   <a:schemeClr val="bg1"/>
                 </a:solidFill>
               </a:rPr>
-              <a:t>[</a:t>
-            </a:r>
-            <a:r>
-              <a:rPr lang="en-US" altLang="zh-CN" dirty="0" smtClean="0">
-                <a:solidFill>
-                  <a:schemeClr val="bg1"/>
-                </a:solidFill>
-              </a:rPr>
-              <a:t>2]</a:t>
+              <a:t>[2]</a:t>
             </a:r>
             <a:endParaRPr lang="zh-CN" altLang="en-US" dirty="0">
               <a:solidFill>
@@ -5448,8 +5611,8 @@
         </p:nvSpPr>
         <p:spPr>
           <a:xfrm>
-            <a:off x="2193233" y="2236033"/>
-            <a:ext cx="9157254" cy="2062103"/>
+            <a:off x="2193233" y="2032833"/>
+            <a:ext cx="9157254" cy="3046988"/>
           </a:xfrm>
           <a:prstGeom prst="rect">
             <a:avLst/>
@@ -5463,7 +5626,7 @@
           <a:lstStyle/>
           <a:p>
             <a:r>
-              <a:rPr lang="en-US" altLang="zh-CN" sz="3200" dirty="0" smtClean="0">
+              <a:rPr lang="en-US" altLang="zh-CN" sz="3200" b="1" dirty="0" smtClean="0">
                 <a:solidFill>
                   <a:schemeClr val="bg1"/>
                 </a:solidFill>
@@ -5473,33 +5636,28 @@
               <a:t></a:t>
             </a:r>
             <a:r>
-              <a:rPr lang="zh-CN" altLang="en-US" sz="3200" dirty="0">
-                <a:solidFill>
-                  <a:schemeClr val="bg1"/>
-                </a:solidFill>
-              </a:rPr>
-              <a:t>接口是被软件或硬件所支持的一个操作集合，每个接口有一个名称，通过使用命名的接口，可以避免在系统的各个构件之间直接发生依赖关系，有利于新构件的</a:t>
-            </a:r>
-            <a:r>
-              <a:rPr lang="zh-CN" altLang="en-US" sz="3200" dirty="0" smtClean="0">
-                <a:solidFill>
-                  <a:schemeClr val="bg1"/>
-                </a:solidFill>
-              </a:rPr>
-              <a:t>替换。 </a:t>
-            </a:r>
-            <a:endParaRPr lang="zh-CN" altLang="en-US" sz="3200" dirty="0">
-              <a:solidFill>
-                <a:schemeClr val="bg1"/>
-              </a:solidFill>
-            </a:endParaRPr>
+              <a:rPr lang="zh-CN" altLang="en-US" sz="3200" b="1" dirty="0" smtClean="0">
+                <a:solidFill>
+                  <a:schemeClr val="bg1"/>
+                </a:solidFill>
+              </a:rPr>
+              <a:t>构件</a:t>
+            </a:r>
+            <a:r>
+              <a:rPr lang="zh-CN" altLang="en-US" sz="3200" b="1" dirty="0">
+                <a:solidFill>
+                  <a:schemeClr val="bg1"/>
+                </a:solidFill>
+              </a:rPr>
+              <a:t>是系统的可替代的物理部分，是定义了良好接口的物理实现单元，它是系统中可以替代的部分，每个构件体现了系统设计中的特定类的实现，良好定义的构件不直接依赖于其它构件，而是依赖于其它构件所支持的接口，在这种情况下，系统中的一个构件可以被支持相同的接口的其它构件所替代。 </a:t>
+            </a:r>
           </a:p>
         </p:txBody>
       </p:sp>
     </p:spTree>
     <p:extLst>
       <p:ext uri="{BB962C8B-B14F-4D97-AF65-F5344CB8AC3E}">
-        <p14:creationId xmlns:p14="http://schemas.microsoft.com/office/powerpoint/2010/main" val="3364362880"/>
+        <p14:creationId xmlns:p14="http://schemas.microsoft.com/office/powerpoint/2010/main" val="2660339712"/>
       </p:ext>
     </p:extLst>
   </p:cSld>
@@ -5711,15 +5869,7 @@
                   <a:schemeClr val="bg1"/>
                 </a:solidFill>
               </a:rPr>
-              <a:t>[</a:t>
-            </a:r>
-            <a:r>
-              <a:rPr lang="en-US" altLang="zh-CN" dirty="0" smtClean="0">
-                <a:solidFill>
-                  <a:schemeClr val="bg1"/>
-                </a:solidFill>
-              </a:rPr>
-              <a:t>2]</a:t>
+              <a:t>[2]</a:t>
             </a:r>
             <a:endParaRPr lang="zh-CN" altLang="en-US" dirty="0">
               <a:solidFill>
@@ -5737,8 +5887,8 @@
         </p:nvSpPr>
         <p:spPr>
           <a:xfrm>
-            <a:off x="2193233" y="2032833"/>
-            <a:ext cx="9157254" cy="3046988"/>
+            <a:off x="2193233" y="2236033"/>
+            <a:ext cx="9157254" cy="2062103"/>
           </a:xfrm>
           <a:prstGeom prst="rect">
             <a:avLst/>
@@ -5752,7 +5902,7 @@
           <a:lstStyle/>
           <a:p>
             <a:r>
-              <a:rPr lang="en-US" altLang="zh-CN" sz="3200" dirty="0" smtClean="0">
+              <a:rPr lang="en-US" altLang="zh-CN" sz="3200" b="1" dirty="0" smtClean="0">
                 <a:solidFill>
                   <a:schemeClr val="bg1"/>
                 </a:solidFill>
@@ -5762,28 +5912,33 @@
               <a:t></a:t>
             </a:r>
             <a:r>
-              <a:rPr lang="zh-CN" altLang="en-US" sz="3200" dirty="0" smtClean="0">
-                <a:solidFill>
-                  <a:schemeClr val="bg1"/>
-                </a:solidFill>
-              </a:rPr>
-              <a:t>构件</a:t>
-            </a:r>
-            <a:r>
-              <a:rPr lang="zh-CN" altLang="en-US" sz="3200" dirty="0">
-                <a:solidFill>
-                  <a:schemeClr val="bg1"/>
-                </a:solidFill>
-              </a:rPr>
-              <a:t>是系统的可替代的物理部分，是定义了良好接口的物理实现单元，它是系统中可以替代的部分，每个构件体现了系统设计中的特定类的实现，良好定义的构件不直接依赖于其它构件，而是依赖于其它构件所支持的接口，在这种情况下，系统中的一个构件可以被支持相同的接口的其它构件所替代。 </a:t>
-            </a:r>
+              <a:rPr lang="zh-CN" altLang="en-US" sz="3200" b="1" dirty="0">
+                <a:solidFill>
+                  <a:schemeClr val="bg1"/>
+                </a:solidFill>
+              </a:rPr>
+              <a:t>接口是被软件或硬件所支持的一个操作集合，每个接口有一个名称，通过使用命名的接口，可以避免在系统的各个构件之间直接发生依赖关系，有利于新构件的</a:t>
+            </a:r>
+            <a:r>
+              <a:rPr lang="zh-CN" altLang="en-US" sz="3200" b="1" dirty="0" smtClean="0">
+                <a:solidFill>
+                  <a:schemeClr val="bg1"/>
+                </a:solidFill>
+              </a:rPr>
+              <a:t>替换。 </a:t>
+            </a:r>
+            <a:endParaRPr lang="zh-CN" altLang="en-US" sz="3200" b="1" dirty="0">
+              <a:solidFill>
+                <a:schemeClr val="bg1"/>
+              </a:solidFill>
+            </a:endParaRPr>
           </a:p>
         </p:txBody>
       </p:sp>
     </p:spTree>
     <p:extLst>
       <p:ext uri="{BB962C8B-B14F-4D97-AF65-F5344CB8AC3E}">
-        <p14:creationId xmlns:p14="http://schemas.microsoft.com/office/powerpoint/2010/main" val="2660339712"/>
+        <p14:creationId xmlns:p14="http://schemas.microsoft.com/office/powerpoint/2010/main" val="3364362880"/>
       </p:ext>
     </p:extLst>
   </p:cSld>
@@ -5995,15 +6150,7 @@
                   <a:schemeClr val="bg1"/>
                 </a:solidFill>
               </a:rPr>
-              <a:t>[2</a:t>
-            </a:r>
-            <a:r>
-              <a:rPr lang="en-US" altLang="zh-CN" dirty="0" smtClean="0">
-                <a:solidFill>
-                  <a:schemeClr val="bg1"/>
-                </a:solidFill>
-              </a:rPr>
-              <a:t>]</a:t>
+              <a:t>[2]</a:t>
             </a:r>
             <a:endParaRPr lang="zh-CN" altLang="en-US" dirty="0">
               <a:solidFill>
@@ -6036,7 +6183,7 @@
           <a:lstStyle/>
           <a:p>
             <a:r>
-              <a:rPr lang="en-US" altLang="zh-CN" sz="3200" dirty="0" smtClean="0">
+              <a:rPr lang="en-US" altLang="zh-CN" sz="3200" b="1" dirty="0" smtClean="0">
                 <a:solidFill>
                   <a:schemeClr val="bg1"/>
                 </a:solidFill>
@@ -6046,7 +6193,7 @@
               <a:t></a:t>
             </a:r>
             <a:r>
-              <a:rPr lang="zh-CN" altLang="en-US" sz="3200" dirty="0">
+              <a:rPr lang="zh-CN" altLang="en-US" sz="3200" b="1" dirty="0">
                 <a:solidFill>
                   <a:schemeClr val="bg1"/>
                 </a:solidFill>
@@ -6055,7 +6202,7 @@
               <a:t>每个构件都必须有一个不同于其他构件的名称。构件的名称是一个字符串，位于构件图标的</a:t>
             </a:r>
             <a:r>
-              <a:rPr lang="zh-CN" altLang="en-US" sz="3200" dirty="0" smtClean="0">
+              <a:rPr lang="zh-CN" altLang="en-US" sz="3200" b="1" dirty="0" smtClean="0">
                 <a:solidFill>
                   <a:schemeClr val="bg1"/>
                 </a:solidFill>
@@ -6063,7 +6210,7 @@
               </a:rPr>
               <a:t>内部。</a:t>
             </a:r>
-            <a:endParaRPr lang="en-US" altLang="zh-CN" sz="3200" dirty="0" smtClean="0">
+            <a:endParaRPr lang="en-US" altLang="zh-CN" sz="3200" b="1" dirty="0" smtClean="0">
               <a:solidFill>
                 <a:schemeClr val="bg1"/>
               </a:solidFill>
@@ -6071,7 +6218,7 @@
             </a:endParaRPr>
           </a:p>
           <a:p>
-            <a:endParaRPr lang="zh-CN" altLang="en-US" sz="3200" dirty="0">
+            <a:endParaRPr lang="zh-CN" altLang="en-US" sz="3200" b="1" dirty="0">
               <a:solidFill>
                 <a:schemeClr val="bg1"/>
               </a:solidFill>
@@ -6080,7 +6227,7 @@
           </a:p>
           <a:p>
             <a:r>
-              <a:rPr lang="en-US" altLang="zh-CN" sz="3200" dirty="0">
+              <a:rPr lang="en-US" altLang="zh-CN" sz="3200" b="1" dirty="0">
                 <a:solidFill>
                   <a:schemeClr val="bg1"/>
                 </a:solidFill>
@@ -6090,7 +6237,7 @@
               <a:t></a:t>
             </a:r>
             <a:r>
-              <a:rPr lang="zh-CN" altLang="en-US" sz="3200" dirty="0" smtClean="0">
+              <a:rPr lang="zh-CN" altLang="en-US" sz="3200" b="1" dirty="0" smtClean="0">
                 <a:solidFill>
                   <a:schemeClr val="bg1"/>
                 </a:solidFill>
@@ -6099,7 +6246,7 @@
               <a:t>构件</a:t>
             </a:r>
             <a:r>
-              <a:rPr lang="zh-CN" altLang="en-US" sz="3200" dirty="0">
+              <a:rPr lang="zh-CN" altLang="en-US" sz="3200" b="1" dirty="0">
                 <a:solidFill>
                   <a:schemeClr val="bg1"/>
                 </a:solidFill>
@@ -6108,7 +6255,7 @@
               <a:t>名称通常是从现实的词汇表中抽取出来的短名词或名词短语，并依据目标操作系统添加相应的扩展名，例如</a:t>
             </a:r>
             <a:r>
-              <a:rPr lang="en-US" altLang="zh-CN" sz="3200" dirty="0">
+              <a:rPr lang="en-US" altLang="zh-CN" sz="3200" b="1" dirty="0">
                 <a:solidFill>
                   <a:schemeClr val="bg1"/>
                 </a:solidFill>
@@ -6117,7 +6264,7 @@
               <a:t>java</a:t>
             </a:r>
             <a:r>
-              <a:rPr lang="zh-CN" altLang="en-US" sz="3200" dirty="0">
+              <a:rPr lang="zh-CN" altLang="en-US" sz="3200" b="1" dirty="0">
                 <a:solidFill>
                   <a:schemeClr val="bg1"/>
                 </a:solidFill>
@@ -6126,7 +6273,7 @@
               <a:t>和</a:t>
             </a:r>
             <a:r>
-              <a:rPr lang="en-US" altLang="zh-CN" sz="3200" dirty="0" err="1">
+              <a:rPr lang="en-US" altLang="zh-CN" sz="3200" b="1" dirty="0" err="1">
                 <a:solidFill>
                   <a:schemeClr val="bg1"/>
                 </a:solidFill>
@@ -6135,7 +6282,7 @@
               <a:t>dll</a:t>
             </a:r>
             <a:r>
-              <a:rPr lang="zh-CN" altLang="en-US" sz="3200" dirty="0">
+              <a:rPr lang="zh-CN" altLang="en-US" sz="3200" b="1" dirty="0">
                 <a:solidFill>
                   <a:schemeClr val="bg1"/>
                 </a:solidFill>
@@ -6361,15 +6508,7 @@
                   <a:schemeClr val="bg1"/>
                 </a:solidFill>
               </a:rPr>
-              <a:t>[2</a:t>
-            </a:r>
-            <a:r>
-              <a:rPr lang="en-US" altLang="zh-CN" dirty="0" smtClean="0">
-                <a:solidFill>
-                  <a:schemeClr val="bg1"/>
-                </a:solidFill>
-              </a:rPr>
-              <a:t>]</a:t>
+              <a:t>[2]</a:t>
             </a:r>
             <a:endParaRPr lang="zh-CN" altLang="en-US" dirty="0">
               <a:solidFill>
@@ -6402,7 +6541,7 @@
           <a:lstStyle/>
           <a:p>
             <a:r>
-              <a:rPr lang="en-US" altLang="zh-CN" sz="3200" dirty="0" smtClean="0">
+              <a:rPr lang="en-US" altLang="zh-CN" sz="3200" b="1" dirty="0" smtClean="0">
                 <a:solidFill>
                   <a:schemeClr val="bg1"/>
                 </a:solidFill>
@@ -6412,7 +6551,7 @@
               <a:t></a:t>
             </a:r>
             <a:r>
-              <a:rPr lang="zh-CN" altLang="en-US" sz="3200" dirty="0">
+              <a:rPr lang="zh-CN" altLang="en-US" sz="3200" b="1" dirty="0">
                 <a:solidFill>
                   <a:schemeClr val="bg1"/>
                 </a:solidFill>
@@ -6423,7 +6562,7 @@
           </a:p>
           <a:p>
             <a:r>
-              <a:rPr lang="en-US" altLang="zh-CN" sz="3200" dirty="0" smtClean="0">
+              <a:rPr lang="en-US" altLang="zh-CN" sz="3200" b="1" dirty="0" smtClean="0">
                 <a:solidFill>
                   <a:schemeClr val="bg1"/>
                 </a:solidFill>
@@ -6433,7 +6572,7 @@
               <a:t></a:t>
             </a:r>
             <a:r>
-              <a:rPr lang="zh-CN" altLang="en-US" sz="3200" dirty="0">
+              <a:rPr lang="zh-CN" altLang="en-US" sz="3200" b="1" dirty="0">
                 <a:solidFill>
                   <a:schemeClr val="bg1"/>
                 </a:solidFill>
@@ -6442,7 +6581,7 @@
               <a:t>构件可以是源代码构件、二进制构件或一个可执行的构件</a:t>
             </a:r>
             <a:r>
-              <a:rPr lang="zh-CN" altLang="en-US" sz="3200" dirty="0" smtClean="0">
+              <a:rPr lang="zh-CN" altLang="en-US" sz="3200" b="1" dirty="0" smtClean="0">
                 <a:solidFill>
                   <a:schemeClr val="bg1"/>
                 </a:solidFill>
@@ -6450,7 +6589,7 @@
               </a:rPr>
               <a:t>。</a:t>
             </a:r>
-            <a:endParaRPr lang="en-US" altLang="zh-CN" sz="3200" dirty="0" smtClean="0">
+            <a:endParaRPr lang="en-US" altLang="zh-CN" sz="3200" b="1" dirty="0" smtClean="0">
               <a:solidFill>
                 <a:schemeClr val="bg1"/>
               </a:solidFill>
@@ -6459,7 +6598,7 @@
           </a:p>
           <a:p>
             <a:r>
-              <a:rPr lang="en-US" altLang="zh-CN" sz="3200" dirty="0">
+              <a:rPr lang="en-US" altLang="zh-CN" sz="3200" b="1" dirty="0">
                 <a:solidFill>
                   <a:schemeClr val="bg1"/>
                 </a:solidFill>
@@ -6469,7 +6608,7 @@
               <a:t></a:t>
             </a:r>
             <a:r>
-              <a:rPr lang="zh-CN" altLang="en-US" sz="3200" dirty="0" smtClean="0">
+              <a:rPr lang="zh-CN" altLang="en-US" sz="3200" b="1" dirty="0" smtClean="0">
                 <a:solidFill>
                   <a:schemeClr val="bg1"/>
                 </a:solidFill>
@@ -6478,7 +6617,7 @@
               <a:t>在</a:t>
             </a:r>
             <a:r>
-              <a:rPr lang="en-US" altLang="zh-CN" sz="3200" dirty="0">
+              <a:rPr lang="en-US" altLang="zh-CN" sz="3200" b="1" dirty="0">
                 <a:solidFill>
                   <a:schemeClr val="bg1"/>
                 </a:solidFill>
@@ -6487,7 +6626,7 @@
               <a:t>UML</a:t>
             </a:r>
             <a:r>
-              <a:rPr lang="zh-CN" altLang="en-US" sz="3200" dirty="0">
+              <a:rPr lang="zh-CN" altLang="en-US" sz="3200" b="1" dirty="0">
                 <a:solidFill>
                   <a:schemeClr val="bg1"/>
                 </a:solidFill>
@@ -6497,7 +6636,7 @@
             </a:r>
           </a:p>
           <a:p>
-            <a:endParaRPr lang="zh-CN" altLang="en-US" sz="3200" dirty="0">
+            <a:endParaRPr lang="zh-CN" altLang="en-US" sz="3200" b="1" dirty="0">
               <a:solidFill>
                 <a:schemeClr val="bg1"/>
               </a:solidFill>
@@ -6946,7 +7085,7 @@
               </a:lnSpc>
             </a:pPr>
             <a:r>
-              <a:rPr lang="en-US" altLang="zh-CN" sz="3200" dirty="0">
+              <a:rPr lang="en-US" altLang="zh-CN" sz="3200" b="1" dirty="0">
                 <a:solidFill>
                   <a:schemeClr val="bg1"/>
                 </a:solidFill>
@@ -6955,7 +7094,7 @@
               <a:t></a:t>
             </a:r>
             <a:r>
-              <a:rPr lang="zh-CN" altLang="en-US" sz="3200" dirty="0" smtClean="0">
+              <a:rPr lang="zh-CN" altLang="en-US" sz="3200" b="1" dirty="0" smtClean="0">
                 <a:solidFill>
                   <a:schemeClr val="bg1"/>
                 </a:solidFill>
@@ -6964,7 +7103,7 @@
               <a:t>构件</a:t>
             </a:r>
             <a:r>
-              <a:rPr lang="zh-CN" altLang="en-US" sz="3200" dirty="0">
+              <a:rPr lang="zh-CN" altLang="en-US" sz="3200" b="1" dirty="0">
                 <a:solidFill>
                   <a:schemeClr val="bg1"/>
                 </a:solidFill>
@@ -6980,7 +7119,7 @@
               </a:lnSpc>
             </a:pPr>
             <a:r>
-              <a:rPr lang="en-US" altLang="zh-CN" sz="3200" dirty="0">
+              <a:rPr lang="en-US" altLang="zh-CN" sz="3200" b="1" dirty="0">
                 <a:solidFill>
                   <a:schemeClr val="bg1"/>
                 </a:solidFill>
@@ -6989,7 +7128,7 @@
               <a:t></a:t>
             </a:r>
             <a:r>
-              <a:rPr lang="zh-CN" altLang="en-US" sz="3200" dirty="0" smtClean="0">
+              <a:rPr lang="zh-CN" altLang="en-US" sz="3200" b="1" dirty="0" smtClean="0">
                 <a:solidFill>
                   <a:schemeClr val="bg1"/>
                 </a:solidFill>
@@ -6998,7 +7137,7 @@
               <a:t>构件</a:t>
             </a:r>
             <a:r>
-              <a:rPr lang="zh-CN" altLang="en-US" sz="3200" dirty="0">
+              <a:rPr lang="zh-CN" altLang="en-US" sz="3200" b="1" dirty="0">
                 <a:solidFill>
                   <a:schemeClr val="bg1"/>
                 </a:solidFill>
@@ -7257,7 +7396,7 @@
           <a:lstStyle/>
           <a:p>
             <a:r>
-              <a:rPr lang="en-US" altLang="zh-CN" sz="3200" dirty="0" smtClean="0">
+              <a:rPr lang="en-US" altLang="zh-CN" sz="3200" b="1" dirty="0" smtClean="0">
                 <a:solidFill>
                   <a:schemeClr val="bg1"/>
                 </a:solidFill>
@@ -7267,7 +7406,7 @@
               <a:t></a:t>
             </a:r>
             <a:r>
-              <a:rPr lang="zh-CN" altLang="en-US" sz="3200" dirty="0">
+              <a:rPr lang="zh-CN" altLang="en-US" sz="3200" b="1" dirty="0">
                 <a:solidFill>
                   <a:schemeClr val="bg1"/>
                 </a:solidFill>
@@ -7278,7 +7417,7 @@
           </a:p>
           <a:p>
             <a:r>
-              <a:rPr lang="en-US" altLang="zh-CN" sz="3200" dirty="0" smtClean="0">
+              <a:rPr lang="en-US" altLang="zh-CN" sz="3200" b="1" dirty="0" smtClean="0">
                 <a:solidFill>
                   <a:schemeClr val="bg1"/>
                 </a:solidFill>
@@ -7288,7 +7427,7 @@
               <a:t></a:t>
             </a:r>
             <a:r>
-              <a:rPr lang="zh-CN" altLang="en-US" sz="3200" dirty="0">
+              <a:rPr lang="zh-CN" altLang="en-US" sz="3200" b="1" dirty="0">
                 <a:solidFill>
                   <a:schemeClr val="bg1"/>
                 </a:solidFill>
@@ -9692,15 +9831,7 @@
                   <a:schemeClr val="bg1"/>
                 </a:solidFill>
               </a:rPr>
-              <a:t>[4</a:t>
-            </a:r>
-            <a:r>
-              <a:rPr lang="en-US" altLang="zh-CN" dirty="0" smtClean="0">
-                <a:solidFill>
-                  <a:schemeClr val="bg1"/>
-                </a:solidFill>
-              </a:rPr>
-              <a:t>]</a:t>
+              <a:t>[4]</a:t>
             </a:r>
             <a:endParaRPr lang="zh-CN" altLang="en-US" dirty="0">
               <a:solidFill>
@@ -9733,7 +9864,7 @@
           <a:lstStyle/>
           <a:p>
             <a:r>
-              <a:rPr lang="zh-CN" altLang="en-US" sz="3200" dirty="0" smtClean="0">
+              <a:rPr lang="zh-CN" altLang="en-US" sz="3200" b="1" dirty="0" smtClean="0">
                 <a:solidFill>
                   <a:schemeClr val="bg1"/>
                 </a:solidFill>
@@ -9742,7 +9873,7 @@
               <a:t>在</a:t>
             </a:r>
             <a:r>
-              <a:rPr lang="en-US" altLang="zh-CN" sz="3200" dirty="0">
+              <a:rPr lang="en-US" altLang="zh-CN" sz="3200" b="1" dirty="0">
                 <a:solidFill>
                   <a:schemeClr val="bg1"/>
                 </a:solidFill>
@@ -9751,7 +9882,7 @@
               <a:t>UML</a:t>
             </a:r>
             <a:r>
-              <a:rPr lang="zh-CN" altLang="en-US" sz="3200" dirty="0">
+              <a:rPr lang="zh-CN" altLang="en-US" sz="3200" b="1" dirty="0">
                 <a:solidFill>
                   <a:schemeClr val="bg1"/>
                 </a:solidFill>
@@ -9760,7 +9891,7 @@
               <a:t>中用文件夹符号来表示一个包。即一个包由两个矩形组成，上面是一个小矩形，下面是一个大</a:t>
             </a:r>
             <a:r>
-              <a:rPr lang="zh-CN" altLang="en-US" sz="3200" dirty="0" smtClean="0">
+              <a:rPr lang="zh-CN" altLang="en-US" sz="3200" b="1" dirty="0" smtClean="0">
                 <a:solidFill>
                   <a:schemeClr val="bg1"/>
                 </a:solidFill>
@@ -9769,14 +9900,14 @@
               <a:t>矩形</a:t>
             </a:r>
             <a:r>
-              <a:rPr lang="zh-CN" altLang="en-US" sz="3200" dirty="0" smtClean="0">
+              <a:rPr lang="zh-CN" altLang="en-US" sz="3200" b="1" dirty="0" smtClean="0">
                 <a:solidFill>
                   <a:schemeClr val="bg1"/>
                 </a:solidFill>
               </a:rPr>
               <a:t>。</a:t>
             </a:r>
-            <a:endParaRPr lang="en-US" altLang="zh-CN" sz="3200" dirty="0">
+            <a:endParaRPr lang="en-US" altLang="zh-CN" sz="3200" b="1" dirty="0">
               <a:solidFill>
                 <a:schemeClr val="bg1"/>
               </a:solidFill>
@@ -10565,7 +10696,7 @@
           <a:lstStyle/>
           <a:p>
             <a:r>
-              <a:rPr lang="zh-CN" altLang="en-US" sz="3200" dirty="0">
+              <a:rPr lang="zh-CN" altLang="en-US" sz="3200" b="1" dirty="0">
                 <a:solidFill>
                   <a:schemeClr val="bg1"/>
                 </a:solidFill>
@@ -10573,7 +10704,7 @@
               <a:t>包图是在 </a:t>
             </a:r>
             <a:r>
-              <a:rPr lang="en-US" altLang="zh-CN" sz="3200" dirty="0" smtClean="0">
+              <a:rPr lang="en-US" altLang="zh-CN" sz="3200" b="1" dirty="0" smtClean="0">
                 <a:solidFill>
                   <a:schemeClr val="bg1"/>
                 </a:solidFill>
@@ -10581,7 +10712,7 @@
               <a:t>UML </a:t>
             </a:r>
             <a:r>
-              <a:rPr lang="zh-CN" altLang="en-US" sz="3200" dirty="0" smtClean="0">
+              <a:rPr lang="zh-CN" altLang="en-US" sz="3200" b="1" dirty="0" smtClean="0">
                 <a:solidFill>
                   <a:schemeClr val="bg1"/>
                 </a:solidFill>
@@ -10589,7 +10720,7 @@
               <a:t>中用类似于</a:t>
             </a:r>
             <a:r>
-              <a:rPr lang="zh-CN" altLang="en-US" sz="3200" dirty="0">
+              <a:rPr lang="zh-CN" altLang="en-US" sz="3200" b="1" dirty="0">
                 <a:solidFill>
                   <a:schemeClr val="bg1"/>
                 </a:solidFill>
@@ -10597,7 +10728,7 @@
               <a:t>文件夹的符号表示的模型元素的组合</a:t>
             </a:r>
             <a:r>
-              <a:rPr lang="zh-CN" altLang="en-US" sz="3200" dirty="0" smtClean="0">
+              <a:rPr lang="zh-CN" altLang="en-US" sz="3200" b="1" dirty="0" smtClean="0">
                 <a:solidFill>
                   <a:schemeClr val="bg1"/>
                 </a:solidFill>
@@ -10605,14 +10736,14 @@
               <a:t>。</a:t>
             </a:r>
             <a:r>
-              <a:rPr lang="zh-CN" altLang="en-US" sz="3200" dirty="0">
+              <a:rPr lang="zh-CN" altLang="en-US" sz="3200" b="1" dirty="0">
                 <a:solidFill>
                   <a:schemeClr val="bg1"/>
                 </a:solidFill>
               </a:rPr>
               <a:t>包图就是用来描述包及其关系的图，我们常用包图来描述系统、子系统的宏观组成和结构。</a:t>
             </a:r>
-            <a:endParaRPr lang="en-US" altLang="zh-CN" sz="3200" dirty="0">
+            <a:endParaRPr lang="en-US" altLang="zh-CN" sz="3200" b="1" dirty="0">
               <a:solidFill>
                 <a:schemeClr val="bg1"/>
               </a:solidFill>
@@ -11575,25 +11706,7 @@
                 </a:solidFill>
                 <a:latin typeface="+mn-ea"/>
               </a:rPr>
-              <a:t>&lt;&lt;</a:t>
-            </a:r>
-            <a:r>
-              <a:rPr lang="en-US" altLang="zh-CN" sz="3200" b="1" dirty="0" smtClean="0">
-                <a:solidFill>
-                  <a:schemeClr val="bg1"/>
-                </a:solidFill>
-                <a:latin typeface="+mn-ea"/>
-              </a:rPr>
-              <a:t>use</a:t>
-            </a:r>
-            <a:r>
-              <a:rPr lang="en-US" altLang="zh-CN" sz="3200" b="1" dirty="0" smtClean="0">
-                <a:solidFill>
-                  <a:schemeClr val="bg1"/>
-                </a:solidFill>
-                <a:latin typeface="+mn-ea"/>
-              </a:rPr>
-              <a:t>&gt;&gt;</a:t>
+              <a:t>&lt;&lt;use&gt;&gt;</a:t>
             </a:r>
             <a:r>
               <a:rPr lang="zh-CN" altLang="en-US" sz="3200" b="1" dirty="0" smtClean="0">
@@ -11605,13 +11718,6 @@
               </a:rPr>
               <a:t>关系</a:t>
             </a:r>
-            <a:endParaRPr lang="zh-CN" altLang="en-US" sz="3200" b="1" dirty="0" smtClean="0">
-              <a:solidFill>
-                <a:schemeClr val="bg1"/>
-              </a:solidFill>
-              <a:latin typeface="+mn-ea"/>
-              <a:ea typeface="+mn-ea"/>
-            </a:endParaRPr>
           </a:p>
           <a:p>
             <a:r>
@@ -11680,25 +11786,7 @@
                 </a:solidFill>
                 <a:latin typeface="+mn-ea"/>
               </a:rPr>
-              <a:t>&lt;&lt;</a:t>
-            </a:r>
-            <a:r>
-              <a:rPr lang="en-US" altLang="zh-CN" sz="3200" b="1" dirty="0" smtClean="0">
-                <a:solidFill>
-                  <a:schemeClr val="bg1"/>
-                </a:solidFill>
-                <a:latin typeface="+mn-ea"/>
-              </a:rPr>
-              <a:t>use</a:t>
-            </a:r>
-            <a:r>
-              <a:rPr lang="en-US" altLang="zh-CN" sz="3200" b="1" dirty="0" smtClean="0">
-                <a:solidFill>
-                  <a:schemeClr val="bg1"/>
-                </a:solidFill>
-                <a:latin typeface="+mn-ea"/>
-              </a:rPr>
-              <a:t>&gt;&gt;</a:t>
+              <a:t>&lt;&lt;use&gt;&gt;</a:t>
             </a:r>
             <a:r>
               <a:rPr lang="zh-CN" altLang="en-US" sz="3200" b="1" dirty="0" smtClean="0">
@@ -11708,17 +11796,7 @@
                 <a:latin typeface="+mn-ea"/>
                 <a:ea typeface="+mn-ea"/>
               </a:rPr>
-              <a:t>关系</a:t>
-            </a:r>
-            <a:r>
-              <a:rPr lang="zh-CN" altLang="en-US" sz="3200" b="1" dirty="0" smtClean="0">
-                <a:solidFill>
-                  <a:schemeClr val="bg1"/>
-                </a:solidFill>
-                <a:latin typeface="+mn-ea"/>
-                <a:ea typeface="+mn-ea"/>
-              </a:rPr>
-              <a:t>说明（客户包）发出者中的元素以某种方式使用（提供者包）箭头指向的包的公共元素，也就是说发出者包依赖于箭头指向的包</a:t>
+              <a:t>关系说明（客户包）发出者中的元素以某种方式使用（提供者包）箭头指向的包的公共元素，也就是说发出者包依赖于箭头指向的包</a:t>
             </a:r>
           </a:p>
         </p:txBody>
@@ -12084,11 +12162,6 @@
               </a:rPr>
               <a:t>依赖关系</a:t>
             </a:r>
-            <a:endParaRPr lang="zh-CN" altLang="en-US" dirty="0">
-              <a:solidFill>
-                <a:schemeClr val="bg1"/>
-              </a:solidFill>
-            </a:endParaRPr>
           </a:p>
         </p:txBody>
       </p:sp>
@@ -12163,13 +12236,6 @@
               </a:rPr>
               <a:t>关系</a:t>
             </a:r>
-            <a:endParaRPr lang="zh-CN" altLang="en-US" sz="3200" b="1" dirty="0" smtClean="0">
-              <a:solidFill>
-                <a:schemeClr val="bg1"/>
-              </a:solidFill>
-              <a:latin typeface="+mn-ea"/>
-              <a:ea typeface="+mn-ea"/>
-            </a:endParaRPr>
           </a:p>
           <a:p>
             <a:r>
@@ -12553,11 +12619,6 @@
               </a:rPr>
               <a:t>依赖关系</a:t>
             </a:r>
-            <a:endParaRPr lang="zh-CN" altLang="en-US" dirty="0">
-              <a:solidFill>
-                <a:schemeClr val="bg1"/>
-              </a:solidFill>
-            </a:endParaRPr>
           </a:p>
         </p:txBody>
       </p:sp>
@@ -12632,13 +12693,6 @@
               </a:rPr>
               <a:t>关系</a:t>
             </a:r>
-            <a:endParaRPr lang="zh-CN" altLang="en-US" sz="3200" b="1" dirty="0" smtClean="0">
-              <a:solidFill>
-                <a:schemeClr val="bg1"/>
-              </a:solidFill>
-              <a:latin typeface="+mn-ea"/>
-              <a:ea typeface="+mn-ea"/>
-            </a:endParaRPr>
           </a:p>
           <a:p>
             <a:r>
@@ -12649,25 +12703,8 @@
                 <a:latin typeface="+mn-ea"/>
                 <a:ea typeface="+mn-ea"/>
               </a:rPr>
-              <a:t>说明客户包中的元素能访问提供者包中的所有公共元素，但是命名空间不合并，在客户包中必须使用路径名</a:t>
-            </a:r>
-            <a:r>
-              <a:rPr lang="zh-CN" altLang="en-US" sz="3200" b="1" dirty="0" smtClean="0">
-                <a:solidFill>
-                  <a:schemeClr val="bg1"/>
-                </a:solidFill>
-                <a:latin typeface="+mn-ea"/>
-                <a:ea typeface="+mn-ea"/>
-              </a:rPr>
-              <a:t>。</a:t>
-            </a:r>
-            <a:endParaRPr lang="zh-CN" altLang="en-US" sz="3200" b="1" dirty="0" smtClean="0">
-              <a:solidFill>
-                <a:schemeClr val="bg1"/>
-              </a:solidFill>
-              <a:latin typeface="+mn-ea"/>
-              <a:ea typeface="+mn-ea"/>
-            </a:endParaRPr>
+              <a:t>说明客户包中的元素能访问提供者包中的所有公共元素，但是命名空间不合并，在客户包中必须使用路径名。</a:t>
+            </a:r>
           </a:p>
         </p:txBody>
       </p:sp>
@@ -13032,11 +13069,6 @@
               </a:rPr>
               <a:t>依赖关系</a:t>
             </a:r>
-            <a:endParaRPr lang="zh-CN" altLang="en-US" dirty="0">
-              <a:solidFill>
-                <a:schemeClr val="bg1"/>
-              </a:solidFill>
-            </a:endParaRPr>
           </a:p>
         </p:txBody>
       </p:sp>
@@ -13089,16 +13121,7 @@
                 </a:solidFill>
                 <a:latin typeface="+mn-ea"/>
               </a:rPr>
-              <a:t>&lt;&lt;</a:t>
-            </a:r>
-            <a:r>
-              <a:rPr lang="en-US" altLang="zh-CN" sz="3200" b="1" dirty="0" smtClean="0">
-                <a:solidFill>
-                  <a:schemeClr val="bg1"/>
-                </a:solidFill>
-                <a:latin typeface="+mn-ea"/>
-              </a:rPr>
-              <a:t>trace&gt;&gt;</a:t>
+              <a:t>&lt;&lt;trace&gt;&gt;</a:t>
             </a:r>
             <a:r>
               <a:rPr lang="zh-CN" altLang="en-US" sz="3200" b="1" dirty="0" smtClean="0">
@@ -13110,13 +13133,6 @@
               </a:rPr>
               <a:t>关系</a:t>
             </a:r>
-            <a:endParaRPr lang="zh-CN" altLang="en-US" sz="3200" b="1" dirty="0" smtClean="0">
-              <a:solidFill>
-                <a:schemeClr val="bg1"/>
-              </a:solidFill>
-              <a:latin typeface="+mn-ea"/>
-              <a:ea typeface="+mn-ea"/>
-            </a:endParaRPr>
           </a:p>
           <a:p>
             <a:r>
@@ -15841,7 +15857,7 @@
           <a:lstStyle/>
           <a:p>
             <a:r>
-              <a:rPr lang="en-US" altLang="zh-CN" sz="3200" dirty="0">
+              <a:rPr lang="en-US" altLang="zh-CN" sz="3200" b="1" dirty="0">
                 <a:solidFill>
                   <a:schemeClr val="bg1"/>
                 </a:solidFill>
@@ -15850,7 +15866,7 @@
               <a:t></a:t>
             </a:r>
             <a:r>
-              <a:rPr lang="zh-CN" altLang="en-US" sz="3200" dirty="0" smtClean="0">
+              <a:rPr lang="zh-CN" altLang="en-US" sz="3200" b="1" dirty="0" smtClean="0">
                 <a:solidFill>
                   <a:schemeClr val="bg1"/>
                 </a:solidFill>
@@ -15858,7 +15874,7 @@
               <a:t>包间</a:t>
             </a:r>
             <a:r>
-              <a:rPr lang="zh-CN" altLang="en-US" sz="3200" dirty="0">
+              <a:rPr lang="zh-CN" altLang="en-US" sz="3200" b="1" dirty="0">
                 <a:solidFill>
                   <a:schemeClr val="bg1"/>
                 </a:solidFill>
@@ -15866,7 +15882,7 @@
               <a:t>的传递性是指：如果包</a:t>
             </a:r>
             <a:r>
-              <a:rPr lang="en-US" altLang="zh-CN" sz="3200" dirty="0">
+              <a:rPr lang="en-US" altLang="zh-CN" sz="3200" b="1" dirty="0">
                 <a:solidFill>
                   <a:schemeClr val="bg1"/>
                 </a:solidFill>
@@ -15874,7 +15890,7 @@
               <a:t>X</a:t>
             </a:r>
             <a:r>
-              <a:rPr lang="zh-CN" altLang="en-US" sz="3200" dirty="0">
+              <a:rPr lang="zh-CN" altLang="en-US" sz="3200" b="1" dirty="0">
                 <a:solidFill>
                   <a:schemeClr val="bg1"/>
                 </a:solidFill>
@@ -15882,7 +15898,7 @@
               <a:t>与包</a:t>
             </a:r>
             <a:r>
-              <a:rPr lang="en-US" altLang="zh-CN" sz="3200" dirty="0">
+              <a:rPr lang="en-US" altLang="zh-CN" sz="3200" b="1" dirty="0">
                 <a:solidFill>
                   <a:schemeClr val="bg1"/>
                 </a:solidFill>
@@ -15890,7 +15906,7 @@
               <a:t>Y</a:t>
             </a:r>
             <a:r>
-              <a:rPr lang="zh-CN" altLang="en-US" sz="3200" dirty="0">
+              <a:rPr lang="zh-CN" altLang="en-US" sz="3200" b="1" dirty="0">
                 <a:solidFill>
                   <a:schemeClr val="bg1"/>
                 </a:solidFill>
@@ -15898,7 +15914,7 @@
               <a:t>存在关系，包</a:t>
             </a:r>
             <a:r>
-              <a:rPr lang="en-US" altLang="zh-CN" sz="3200" dirty="0">
+              <a:rPr lang="en-US" altLang="zh-CN" sz="3200" b="1" dirty="0">
                 <a:solidFill>
                   <a:schemeClr val="bg1"/>
                 </a:solidFill>
@@ -15906,7 +15922,7 @@
               <a:t>Y</a:t>
             </a:r>
             <a:r>
-              <a:rPr lang="zh-CN" altLang="en-US" sz="3200" dirty="0">
+              <a:rPr lang="zh-CN" altLang="en-US" sz="3200" b="1" dirty="0">
                 <a:solidFill>
                   <a:schemeClr val="bg1"/>
                 </a:solidFill>
@@ -15914,7 +15930,7 @@
               <a:t>与包</a:t>
             </a:r>
             <a:r>
-              <a:rPr lang="en-US" altLang="zh-CN" sz="3200" dirty="0">
+              <a:rPr lang="en-US" altLang="zh-CN" sz="3200" b="1" dirty="0">
                 <a:solidFill>
                   <a:schemeClr val="bg1"/>
                 </a:solidFill>
@@ -15922,7 +15938,7 @@
               <a:t>Z</a:t>
             </a:r>
             <a:r>
-              <a:rPr lang="zh-CN" altLang="en-US" sz="3200" dirty="0">
+              <a:rPr lang="zh-CN" altLang="en-US" sz="3200" b="1" dirty="0">
                 <a:solidFill>
                   <a:schemeClr val="bg1"/>
                 </a:solidFill>
@@ -15930,7 +15946,7 @@
               <a:t>存在关系，那么，包</a:t>
             </a:r>
             <a:r>
-              <a:rPr lang="en-US" altLang="zh-CN" sz="3200" dirty="0">
+              <a:rPr lang="en-US" altLang="zh-CN" sz="3200" b="1" dirty="0">
                 <a:solidFill>
                   <a:schemeClr val="bg1"/>
                 </a:solidFill>
@@ -15938,7 +15954,7 @@
               <a:t>X</a:t>
             </a:r>
             <a:r>
-              <a:rPr lang="zh-CN" altLang="en-US" sz="3200" dirty="0">
+              <a:rPr lang="zh-CN" altLang="en-US" sz="3200" b="1" dirty="0">
                 <a:solidFill>
                   <a:schemeClr val="bg1"/>
                 </a:solidFill>
@@ -15946,7 +15962,7 @@
               <a:t>与包</a:t>
             </a:r>
             <a:r>
-              <a:rPr lang="en-US" altLang="zh-CN" sz="3200" dirty="0">
+              <a:rPr lang="en-US" altLang="zh-CN" sz="3200" b="1" dirty="0">
                 <a:solidFill>
                   <a:schemeClr val="bg1"/>
                 </a:solidFill>
@@ -15954,7 +15970,7 @@
               <a:t>Z</a:t>
             </a:r>
             <a:r>
-              <a:rPr lang="zh-CN" altLang="en-US" sz="3200" dirty="0">
+              <a:rPr lang="zh-CN" altLang="en-US" sz="3200" b="1" dirty="0">
                 <a:solidFill>
                   <a:schemeClr val="bg1"/>
                 </a:solidFill>
@@ -15964,7 +15980,7 @@
           </a:p>
           <a:p>
             <a:r>
-              <a:rPr lang="en-US" altLang="zh-CN" sz="3200" dirty="0">
+              <a:rPr lang="en-US" altLang="zh-CN" sz="3200" b="1" dirty="0">
                 <a:solidFill>
                   <a:schemeClr val="bg1"/>
                 </a:solidFill>
@@ -15973,7 +15989,7 @@
               <a:t> </a:t>
             </a:r>
             <a:r>
-              <a:rPr lang="en-US" altLang="zh-CN" sz="3200" dirty="0" smtClean="0">
+              <a:rPr lang="en-US" altLang="zh-CN" sz="3200" b="1" dirty="0" smtClean="0">
                 <a:solidFill>
                   <a:schemeClr val="bg1"/>
                 </a:solidFill>
@@ -15981,7 +15997,7 @@
               <a:t>&lt;&lt;</a:t>
             </a:r>
             <a:r>
-              <a:rPr lang="en-US" altLang="zh-CN" sz="3200" dirty="0">
+              <a:rPr lang="en-US" altLang="zh-CN" sz="3200" b="1" dirty="0">
                 <a:solidFill>
                   <a:schemeClr val="bg1"/>
                 </a:solidFill>
@@ -15989,7 +16005,7 @@
               <a:t>import&gt;&gt;</a:t>
             </a:r>
             <a:r>
-              <a:rPr lang="zh-CN" altLang="en-US" sz="3200" dirty="0">
+              <a:rPr lang="zh-CN" altLang="en-US" sz="3200" b="1" dirty="0">
                 <a:solidFill>
                   <a:schemeClr val="bg1"/>
                 </a:solidFill>
@@ -15997,7 +16013,7 @@
               <a:t>依赖是可传递的，</a:t>
             </a:r>
             <a:r>
-              <a:rPr lang="en-US" altLang="zh-CN" sz="3200" dirty="0">
+              <a:rPr lang="en-US" altLang="zh-CN" sz="3200" b="1" dirty="0">
                 <a:solidFill>
                   <a:schemeClr val="bg1"/>
                 </a:solidFill>
@@ -16005,7 +16021,7 @@
               <a:t>&lt;&lt;access&gt;&gt;</a:t>
             </a:r>
             <a:r>
-              <a:rPr lang="zh-CN" altLang="en-US" sz="3200" dirty="0">
+              <a:rPr lang="zh-CN" altLang="en-US" sz="3200" b="1" dirty="0">
                 <a:solidFill>
                   <a:schemeClr val="bg1"/>
                 </a:solidFill>
@@ -16015,7 +16031,7 @@
           </a:p>
           <a:p>
             <a:r>
-              <a:rPr lang="en-US" altLang="zh-CN" sz="3200" dirty="0">
+              <a:rPr lang="en-US" altLang="zh-CN" sz="3200" b="1" dirty="0">
                 <a:solidFill>
                   <a:schemeClr val="bg1"/>
                 </a:solidFill>
@@ -16024,7 +16040,7 @@
               <a:t></a:t>
             </a:r>
             <a:r>
-              <a:rPr lang="zh-CN" altLang="en-US" sz="3200" dirty="0" smtClean="0">
+              <a:rPr lang="zh-CN" altLang="en-US" sz="3200" b="1" dirty="0" smtClean="0">
                 <a:solidFill>
                   <a:schemeClr val="bg1"/>
                 </a:solidFill>
@@ -16032,7 +16048,7 @@
               <a:t>当</a:t>
             </a:r>
             <a:r>
-              <a:rPr lang="zh-CN" altLang="en-US" sz="3200" dirty="0">
+              <a:rPr lang="zh-CN" altLang="en-US" sz="3200" b="1" dirty="0">
                 <a:solidFill>
                   <a:schemeClr val="bg1"/>
                 </a:solidFill>
@@ -16040,7 +16056,7 @@
               <a:t>客户包与提供者包之间是</a:t>
             </a:r>
             <a:r>
-              <a:rPr lang="en-US" altLang="zh-CN" sz="3200" dirty="0">
+              <a:rPr lang="en-US" altLang="zh-CN" sz="3200" b="1" dirty="0">
                 <a:solidFill>
                   <a:schemeClr val="bg1"/>
                 </a:solidFill>
@@ -16048,7 +16064,7 @@
               <a:t>&lt;&lt;import&gt;&gt;</a:t>
             </a:r>
             <a:r>
-              <a:rPr lang="zh-CN" altLang="en-US" sz="3200" dirty="0">
+              <a:rPr lang="zh-CN" altLang="en-US" sz="3200" b="1" dirty="0">
                 <a:solidFill>
                   <a:schemeClr val="bg1"/>
                 </a:solidFill>
@@ -16056,7 +16072,7 @@
               <a:t>依赖时，提供者包中的公共元素就成为客户包中的公共元素，这些公共元素在包外同样是可以访问的。如图</a:t>
             </a:r>
             <a:r>
-              <a:rPr lang="en-US" altLang="zh-CN" sz="3200" dirty="0">
+              <a:rPr lang="en-US" altLang="zh-CN" sz="3200" b="1" dirty="0">
                 <a:solidFill>
                   <a:schemeClr val="bg1"/>
                 </a:solidFill>
@@ -16064,7 +16080,7 @@
               <a:t>5-14</a:t>
             </a:r>
             <a:r>
-              <a:rPr lang="zh-CN" altLang="en-US" sz="3200" dirty="0">
+              <a:rPr lang="zh-CN" altLang="en-US" sz="3200" b="1" dirty="0">
                 <a:solidFill>
                   <a:schemeClr val="bg1"/>
                 </a:solidFill>
@@ -16072,7 +16088,7 @@
               <a:t>所示，</a:t>
             </a:r>
             <a:r>
-              <a:rPr lang="en-US" altLang="zh-CN" sz="3200" dirty="0">
+              <a:rPr lang="en-US" altLang="zh-CN" sz="3200" b="1" dirty="0">
                 <a:solidFill>
                   <a:schemeClr val="bg1"/>
                 </a:solidFill>
@@ -16080,7 +16096,7 @@
               <a:t>Z</a:t>
             </a:r>
             <a:r>
-              <a:rPr lang="zh-CN" altLang="en-US" sz="3200" dirty="0">
+              <a:rPr lang="zh-CN" altLang="en-US" sz="3200" b="1" dirty="0">
                 <a:solidFill>
                   <a:schemeClr val="bg1"/>
                 </a:solidFill>
@@ -16088,7 +16104,7 @@
               <a:t>包中的公共元素成为</a:t>
             </a:r>
             <a:r>
-              <a:rPr lang="en-US" altLang="zh-CN" sz="3200" dirty="0">
+              <a:rPr lang="en-US" altLang="zh-CN" sz="3200" b="1" dirty="0">
                 <a:solidFill>
                   <a:schemeClr val="bg1"/>
                 </a:solidFill>
@@ -16096,7 +16112,7 @@
               <a:t>Y</a:t>
             </a:r>
             <a:r>
-              <a:rPr lang="zh-CN" altLang="en-US" sz="3200" dirty="0">
+              <a:rPr lang="zh-CN" altLang="en-US" sz="3200" b="1" dirty="0">
                 <a:solidFill>
                   <a:schemeClr val="bg1"/>
                 </a:solidFill>
@@ -16104,7 +16120,7 @@
               <a:t>包的公共元素，同时，</a:t>
             </a:r>
             <a:r>
-              <a:rPr lang="en-US" altLang="zh-CN" sz="3200" dirty="0">
+              <a:rPr lang="en-US" altLang="zh-CN" sz="3200" b="1" dirty="0">
                 <a:solidFill>
                   <a:schemeClr val="bg1"/>
                 </a:solidFill>
@@ -16112,7 +16128,7 @@
               <a:t>Y</a:t>
             </a:r>
             <a:r>
-              <a:rPr lang="zh-CN" altLang="en-US" sz="3200" dirty="0">
+              <a:rPr lang="zh-CN" altLang="en-US" sz="3200" b="1" dirty="0">
                 <a:solidFill>
                   <a:schemeClr val="bg1"/>
                 </a:solidFill>
@@ -16120,7 +16136,7 @@
               <a:t>包中的公共元素成为</a:t>
             </a:r>
             <a:r>
-              <a:rPr lang="en-US" altLang="zh-CN" sz="3200" dirty="0">
+              <a:rPr lang="en-US" altLang="zh-CN" sz="3200" b="1" dirty="0">
                 <a:solidFill>
                   <a:schemeClr val="bg1"/>
                 </a:solidFill>
@@ -16128,7 +16144,7 @@
               <a:t>X</a:t>
             </a:r>
             <a:r>
-              <a:rPr lang="zh-CN" altLang="en-US" sz="3200" dirty="0">
+              <a:rPr lang="zh-CN" altLang="en-US" sz="3200" b="1" dirty="0">
                 <a:solidFill>
                   <a:schemeClr val="bg1"/>
                 </a:solidFill>
@@ -16136,7 +16152,7 @@
               <a:t>包中的公共元素，因此，</a:t>
             </a:r>
             <a:r>
-              <a:rPr lang="en-US" altLang="zh-CN" sz="3200" dirty="0">
+              <a:rPr lang="en-US" altLang="zh-CN" sz="3200" b="1" dirty="0">
                 <a:solidFill>
                   <a:schemeClr val="bg1"/>
                 </a:solidFill>
@@ -16144,7 +16160,7 @@
               <a:t>Z</a:t>
             </a:r>
             <a:r>
-              <a:rPr lang="zh-CN" altLang="en-US" sz="3200" dirty="0">
+              <a:rPr lang="zh-CN" altLang="en-US" sz="3200" b="1" dirty="0">
                 <a:solidFill>
                   <a:schemeClr val="bg1"/>
                 </a:solidFill>
@@ -16152,7 +16168,7 @@
               <a:t>包中的公共元素能被</a:t>
             </a:r>
             <a:r>
-              <a:rPr lang="en-US" altLang="zh-CN" sz="3200" dirty="0">
+              <a:rPr lang="en-US" altLang="zh-CN" sz="3200" b="1" dirty="0">
                 <a:solidFill>
                   <a:schemeClr val="bg1"/>
                 </a:solidFill>
@@ -16160,7 +16176,7 @@
               <a:t>X</a:t>
             </a:r>
             <a:r>
-              <a:rPr lang="zh-CN" altLang="en-US" sz="3200" dirty="0">
+              <a:rPr lang="zh-CN" altLang="en-US" sz="3200" b="1" dirty="0">
                 <a:solidFill>
                   <a:schemeClr val="bg1"/>
                 </a:solidFill>
@@ -16168,7 +16184,7 @@
               <a:t>包访问。所以，</a:t>
             </a:r>
             <a:r>
-              <a:rPr lang="en-US" altLang="zh-CN" sz="3200" dirty="0">
+              <a:rPr lang="en-US" altLang="zh-CN" sz="3200" b="1" dirty="0">
                 <a:solidFill>
                   <a:schemeClr val="bg1"/>
                 </a:solidFill>
@@ -16176,7 +16192,7 @@
               <a:t>X</a:t>
             </a:r>
             <a:r>
-              <a:rPr lang="zh-CN" altLang="en-US" sz="3200" dirty="0">
+              <a:rPr lang="zh-CN" altLang="en-US" sz="3200" b="1" dirty="0">
                 <a:solidFill>
                   <a:schemeClr val="bg1"/>
                 </a:solidFill>
@@ -16184,7 +16200,7 @@
               <a:t>、</a:t>
             </a:r>
             <a:r>
-              <a:rPr lang="en-US" altLang="zh-CN" sz="3200" dirty="0">
+              <a:rPr lang="en-US" altLang="zh-CN" sz="3200" b="1" dirty="0">
                 <a:solidFill>
                   <a:schemeClr val="bg1"/>
                 </a:solidFill>
@@ -16192,7 +16208,7 @@
               <a:t>Y</a:t>
             </a:r>
             <a:r>
-              <a:rPr lang="zh-CN" altLang="en-US" sz="3200" dirty="0">
+              <a:rPr lang="zh-CN" altLang="en-US" sz="3200" b="1" dirty="0">
                 <a:solidFill>
                   <a:schemeClr val="bg1"/>
                 </a:solidFill>
@@ -16200,7 +16216,7 @@
               <a:t>、</a:t>
             </a:r>
             <a:r>
-              <a:rPr lang="en-US" altLang="zh-CN" sz="3200" dirty="0">
+              <a:rPr lang="en-US" altLang="zh-CN" sz="3200" b="1" dirty="0">
                 <a:solidFill>
                   <a:schemeClr val="bg1"/>
                 </a:solidFill>
@@ -16208,7 +16224,7 @@
               <a:t>Z</a:t>
             </a:r>
             <a:r>
-              <a:rPr lang="zh-CN" altLang="en-US" sz="3200" dirty="0">
+              <a:rPr lang="zh-CN" altLang="en-US" sz="3200" b="1" dirty="0">
                 <a:solidFill>
                   <a:schemeClr val="bg1"/>
                 </a:solidFill>
@@ -16216,7 +16232,7 @@
               <a:t>包间的</a:t>
             </a:r>
             <a:r>
-              <a:rPr lang="en-US" altLang="zh-CN" sz="3200" dirty="0">
+              <a:rPr lang="en-US" altLang="zh-CN" sz="3200" b="1" dirty="0">
                 <a:solidFill>
                   <a:schemeClr val="bg1"/>
                 </a:solidFill>
@@ -16224,7 +16240,7 @@
               <a:t>&lt;&lt;import&gt;&gt;</a:t>
             </a:r>
             <a:r>
-              <a:rPr lang="zh-CN" altLang="en-US" sz="3200" dirty="0">
+              <a:rPr lang="zh-CN" altLang="en-US" sz="3200" b="1" dirty="0">
                 <a:solidFill>
                   <a:schemeClr val="bg1"/>
                 </a:solidFill>
@@ -16474,7 +16490,7 @@
           <a:lstStyle/>
           <a:p>
             <a:r>
-              <a:rPr lang="en-US" altLang="zh-CN" sz="3200" dirty="0">
+              <a:rPr lang="en-US" altLang="zh-CN" sz="3200" b="1" dirty="0">
                 <a:solidFill>
                   <a:schemeClr val="bg1"/>
                 </a:solidFill>
@@ -16483,7 +16499,7 @@
               <a:t></a:t>
             </a:r>
             <a:r>
-              <a:rPr lang="zh-CN" altLang="en-US" sz="3200" dirty="0" smtClean="0">
+              <a:rPr lang="zh-CN" altLang="en-US" sz="3200" b="1" dirty="0" smtClean="0">
                 <a:solidFill>
                   <a:schemeClr val="bg1"/>
                 </a:solidFill>
@@ -16491,7 +16507,7 @@
               <a:t>当</a:t>
             </a:r>
             <a:r>
-              <a:rPr lang="zh-CN" altLang="en-US" sz="3200" dirty="0">
+              <a:rPr lang="zh-CN" altLang="en-US" sz="3200" b="1" dirty="0">
                 <a:solidFill>
                   <a:schemeClr val="bg1"/>
                 </a:solidFill>
@@ -16499,7 +16515,7 @@
               <a:t>客户包与提供者包之间是</a:t>
             </a:r>
             <a:r>
-              <a:rPr lang="en-US" altLang="zh-CN" sz="3200" dirty="0">
+              <a:rPr lang="en-US" altLang="zh-CN" sz="3200" b="1" dirty="0">
                 <a:solidFill>
                   <a:schemeClr val="bg1"/>
                 </a:solidFill>
@@ -16507,7 +16523,7 @@
               <a:t>&lt;&lt;access&gt;&gt;</a:t>
             </a:r>
             <a:r>
-              <a:rPr lang="zh-CN" altLang="en-US" sz="3200" dirty="0">
+              <a:rPr lang="zh-CN" altLang="en-US" sz="3200" b="1" dirty="0">
                 <a:solidFill>
                   <a:schemeClr val="bg1"/>
                 </a:solidFill>
@@ -16515,7 +16531,7 @@
               <a:t>依赖时，提供者包中的公共元素就成为客户包中的私有元素，这些私有元素在包外是不可以访问的。如图</a:t>
             </a:r>
             <a:r>
-              <a:rPr lang="en-US" altLang="zh-CN" sz="3200" dirty="0">
+              <a:rPr lang="en-US" altLang="zh-CN" sz="3200" b="1" dirty="0">
                 <a:solidFill>
                   <a:schemeClr val="bg1"/>
                 </a:solidFill>
@@ -16523,7 +16539,7 @@
               <a:t>5-15</a:t>
             </a:r>
             <a:r>
-              <a:rPr lang="zh-CN" altLang="en-US" sz="3200" dirty="0">
+              <a:rPr lang="zh-CN" altLang="en-US" sz="3200" b="1" dirty="0">
                 <a:solidFill>
                   <a:schemeClr val="bg1"/>
                 </a:solidFill>
@@ -16531,7 +16547,7 @@
               <a:t>所示，</a:t>
             </a:r>
             <a:r>
-              <a:rPr lang="en-US" altLang="zh-CN" sz="3200" dirty="0">
+              <a:rPr lang="en-US" altLang="zh-CN" sz="3200" b="1" dirty="0">
                 <a:solidFill>
                   <a:schemeClr val="bg1"/>
                 </a:solidFill>
@@ -16539,7 +16555,7 @@
               <a:t>Z</a:t>
             </a:r>
             <a:r>
-              <a:rPr lang="zh-CN" altLang="en-US" sz="3200" dirty="0">
+              <a:rPr lang="zh-CN" altLang="en-US" sz="3200" b="1" dirty="0">
                 <a:solidFill>
                   <a:schemeClr val="bg1"/>
                 </a:solidFill>
@@ -16547,7 +16563,7 @@
               <a:t>包中的公共元素成为</a:t>
             </a:r>
             <a:r>
-              <a:rPr lang="en-US" altLang="zh-CN" sz="3200" dirty="0">
+              <a:rPr lang="en-US" altLang="zh-CN" sz="3200" b="1" dirty="0">
                 <a:solidFill>
                   <a:schemeClr val="bg1"/>
                 </a:solidFill>
@@ -16555,7 +16571,7 @@
               <a:t>Y</a:t>
             </a:r>
             <a:r>
-              <a:rPr lang="zh-CN" altLang="en-US" sz="3200" dirty="0">
+              <a:rPr lang="zh-CN" altLang="en-US" sz="3200" b="1" dirty="0">
                 <a:solidFill>
                   <a:schemeClr val="bg1"/>
                 </a:solidFill>
@@ -16563,7 +16579,7 @@
               <a:t>包的私有元素，而</a:t>
             </a:r>
             <a:r>
-              <a:rPr lang="en-US" altLang="zh-CN" sz="3200" dirty="0">
+              <a:rPr lang="en-US" altLang="zh-CN" sz="3200" b="1" dirty="0">
                 <a:solidFill>
                   <a:schemeClr val="bg1"/>
                 </a:solidFill>
@@ -16571,7 +16587,7 @@
               <a:t>X</a:t>
             </a:r>
             <a:r>
-              <a:rPr lang="zh-CN" altLang="en-US" sz="3200" dirty="0">
+              <a:rPr lang="zh-CN" altLang="en-US" sz="3200" b="1" dirty="0">
                 <a:solidFill>
                   <a:schemeClr val="bg1"/>
                 </a:solidFill>
@@ -16579,7 +16595,7 @@
               <a:t>包只能访问</a:t>
             </a:r>
             <a:r>
-              <a:rPr lang="en-US" altLang="zh-CN" sz="3200" dirty="0">
+              <a:rPr lang="en-US" altLang="zh-CN" sz="3200" b="1" dirty="0">
                 <a:solidFill>
                   <a:schemeClr val="bg1"/>
                 </a:solidFill>
@@ -16587,7 +16603,7 @@
               <a:t>Y</a:t>
             </a:r>
             <a:r>
-              <a:rPr lang="zh-CN" altLang="en-US" sz="3200" dirty="0">
+              <a:rPr lang="zh-CN" altLang="en-US" sz="3200" b="1" dirty="0">
                 <a:solidFill>
                   <a:schemeClr val="bg1"/>
                 </a:solidFill>
@@ -16595,7 +16611,7 @@
               <a:t>包中的公共元素，因此，</a:t>
             </a:r>
             <a:r>
-              <a:rPr lang="en-US" altLang="zh-CN" sz="3200" dirty="0">
+              <a:rPr lang="en-US" altLang="zh-CN" sz="3200" b="1" dirty="0">
                 <a:solidFill>
                   <a:schemeClr val="bg1"/>
                 </a:solidFill>
@@ -16603,7 +16619,7 @@
               <a:t>X</a:t>
             </a:r>
             <a:r>
-              <a:rPr lang="zh-CN" altLang="en-US" sz="3200" dirty="0">
+              <a:rPr lang="zh-CN" altLang="en-US" sz="3200" b="1" dirty="0">
                 <a:solidFill>
                   <a:schemeClr val="bg1"/>
                 </a:solidFill>
@@ -16611,7 +16627,7 @@
               <a:t>包不能访问</a:t>
             </a:r>
             <a:r>
-              <a:rPr lang="en-US" altLang="zh-CN" sz="3200" dirty="0">
+              <a:rPr lang="en-US" altLang="zh-CN" sz="3200" b="1" dirty="0">
                 <a:solidFill>
                   <a:schemeClr val="bg1"/>
                 </a:solidFill>
@@ -16619,7 +16635,7 @@
               <a:t>Z</a:t>
             </a:r>
             <a:r>
-              <a:rPr lang="zh-CN" altLang="en-US" sz="3200" dirty="0">
+              <a:rPr lang="zh-CN" altLang="en-US" sz="3200" b="1" dirty="0">
                 <a:solidFill>
                   <a:schemeClr val="bg1"/>
                 </a:solidFill>
@@ -16627,7 +16643,7 @@
               <a:t>包中的公共元素。所以，</a:t>
             </a:r>
             <a:r>
-              <a:rPr lang="en-US" altLang="zh-CN" sz="3200" dirty="0">
+              <a:rPr lang="en-US" altLang="zh-CN" sz="3200" b="1" dirty="0">
                 <a:solidFill>
                   <a:schemeClr val="bg1"/>
                 </a:solidFill>
@@ -16635,7 +16651,7 @@
               <a:t>X</a:t>
             </a:r>
             <a:r>
-              <a:rPr lang="zh-CN" altLang="en-US" sz="3200" dirty="0">
+              <a:rPr lang="zh-CN" altLang="en-US" sz="3200" b="1" dirty="0">
                 <a:solidFill>
                   <a:schemeClr val="bg1"/>
                 </a:solidFill>
@@ -16643,7 +16659,7 @@
               <a:t>、</a:t>
             </a:r>
             <a:r>
-              <a:rPr lang="en-US" altLang="zh-CN" sz="3200" dirty="0">
+              <a:rPr lang="en-US" altLang="zh-CN" sz="3200" b="1" dirty="0">
                 <a:solidFill>
                   <a:schemeClr val="bg1"/>
                 </a:solidFill>
@@ -16651,7 +16667,7 @@
               <a:t>Y</a:t>
             </a:r>
             <a:r>
-              <a:rPr lang="zh-CN" altLang="en-US" sz="3200" dirty="0">
+              <a:rPr lang="zh-CN" altLang="en-US" sz="3200" b="1" dirty="0">
                 <a:solidFill>
                   <a:schemeClr val="bg1"/>
                 </a:solidFill>
@@ -16659,7 +16675,7 @@
               <a:t>、</a:t>
             </a:r>
             <a:r>
-              <a:rPr lang="en-US" altLang="zh-CN" sz="3200" dirty="0">
+              <a:rPr lang="en-US" altLang="zh-CN" sz="3200" b="1" dirty="0">
                 <a:solidFill>
                   <a:schemeClr val="bg1"/>
                 </a:solidFill>
@@ -16667,7 +16683,7 @@
               <a:t>Z</a:t>
             </a:r>
             <a:r>
-              <a:rPr lang="zh-CN" altLang="en-US" sz="3200" dirty="0">
+              <a:rPr lang="zh-CN" altLang="en-US" sz="3200" b="1" dirty="0">
                 <a:solidFill>
                   <a:schemeClr val="bg1"/>
                 </a:solidFill>
@@ -16675,7 +16691,7 @@
               <a:t>包间的</a:t>
             </a:r>
             <a:r>
-              <a:rPr lang="en-US" altLang="zh-CN" sz="3200" dirty="0">
+              <a:rPr lang="en-US" altLang="zh-CN" sz="3200" b="1" dirty="0">
                 <a:solidFill>
                   <a:schemeClr val="bg1"/>
                 </a:solidFill>
@@ -16683,7 +16699,7 @@
               <a:t>&lt;&lt;access &gt;&gt;</a:t>
             </a:r>
             <a:r>
-              <a:rPr lang="zh-CN" altLang="en-US" sz="3200" dirty="0">
+              <a:rPr lang="zh-CN" altLang="en-US" sz="3200" b="1" dirty="0">
                 <a:solidFill>
                   <a:schemeClr val="bg1"/>
                 </a:solidFill>
@@ -16962,15 +16978,7 @@
                   <a:schemeClr val="bg1"/>
                 </a:solidFill>
               </a:rPr>
-              <a:t>[</a:t>
-            </a:r>
-            <a:r>
-              <a:rPr lang="en-US" altLang="zh-CN" dirty="0" smtClean="0">
-                <a:solidFill>
-                  <a:schemeClr val="bg1"/>
-                </a:solidFill>
-              </a:rPr>
-              <a:t>4]</a:t>
+              <a:t>[4]</a:t>
             </a:r>
             <a:endParaRPr lang="zh-CN" altLang="en-US" dirty="0">
               <a:solidFill>
@@ -17003,7 +17011,7 @@
           <a:lstStyle/>
           <a:p>
             <a:r>
-              <a:rPr lang="en-US" altLang="zh-CN" sz="3200" dirty="0">
+              <a:rPr lang="en-US" altLang="zh-CN" sz="3200" b="1" dirty="0">
                 <a:solidFill>
                   <a:schemeClr val="bg1"/>
                 </a:solidFill>
@@ -17012,7 +17020,7 @@
               <a:t></a:t>
             </a:r>
             <a:r>
-              <a:rPr lang="zh-CN" altLang="en-US" sz="3200" dirty="0" smtClean="0">
+              <a:rPr lang="zh-CN" altLang="en-US" sz="3200" b="1" dirty="0" smtClean="0">
                 <a:solidFill>
                   <a:schemeClr val="bg1"/>
                 </a:solidFill>
@@ -17020,7 +17028,7 @@
               <a:t>绘制</a:t>
             </a:r>
             <a:r>
-              <a:rPr lang="zh-CN" altLang="en-US" sz="3200" dirty="0">
+              <a:rPr lang="zh-CN" altLang="en-US" sz="3200" b="1" dirty="0">
                 <a:solidFill>
                   <a:schemeClr val="bg1"/>
                 </a:solidFill>
@@ -17028,7 +17036,7 @@
               <a:t>包图的基本过程主要有以下</a:t>
             </a:r>
             <a:r>
-              <a:rPr lang="en-US" altLang="zh-CN" sz="3200" dirty="0">
+              <a:rPr lang="en-US" altLang="zh-CN" sz="3200" b="1" dirty="0">
                 <a:solidFill>
                   <a:schemeClr val="bg1"/>
                 </a:solidFill>
@@ -17036,7 +17044,7 @@
               <a:t>3</a:t>
             </a:r>
             <a:r>
-              <a:rPr lang="zh-CN" altLang="en-US" sz="3200" dirty="0">
+              <a:rPr lang="zh-CN" altLang="en-US" sz="3200" b="1" dirty="0">
                 <a:solidFill>
                   <a:schemeClr val="bg1"/>
                 </a:solidFill>
@@ -17047,7 +17055,7 @@
           <a:p>
             <a:pPr lvl="1"/>
             <a:r>
-              <a:rPr lang="en-US" altLang="zh-CN" sz="3200" dirty="0">
+              <a:rPr lang="en-US" altLang="zh-CN" sz="3200" b="1" dirty="0">
                 <a:solidFill>
                   <a:schemeClr val="bg1"/>
                 </a:solidFill>
@@ -17055,7 +17063,7 @@
               <a:t>(1)	</a:t>
             </a:r>
             <a:r>
-              <a:rPr lang="zh-CN" altLang="en-US" sz="3200" dirty="0">
+              <a:rPr lang="zh-CN" altLang="en-US" sz="3200" b="1" dirty="0">
                 <a:solidFill>
                   <a:schemeClr val="bg1"/>
                 </a:solidFill>
@@ -17066,7 +17074,7 @@
           <a:p>
             <a:pPr lvl="1"/>
             <a:r>
-              <a:rPr lang="en-US" altLang="zh-CN" sz="3200" dirty="0">
+              <a:rPr lang="en-US" altLang="zh-CN" sz="3200" b="1" dirty="0">
                 <a:solidFill>
                   <a:schemeClr val="bg1"/>
                 </a:solidFill>
@@ -17074,7 +17082,7 @@
               <a:t>(2)	</a:t>
             </a:r>
             <a:r>
-              <a:rPr lang="zh-CN" altLang="en-US" sz="3200" dirty="0">
+              <a:rPr lang="zh-CN" altLang="en-US" sz="3200" b="1" dirty="0">
                 <a:solidFill>
                   <a:schemeClr val="bg1"/>
                 </a:solidFill>
@@ -17085,7 +17093,7 @@
           <a:p>
             <a:pPr lvl="1"/>
             <a:r>
-              <a:rPr lang="en-US" altLang="zh-CN" sz="3200" dirty="0">
+              <a:rPr lang="en-US" altLang="zh-CN" sz="3200" b="1" dirty="0">
                 <a:solidFill>
                   <a:schemeClr val="bg1"/>
                 </a:solidFill>
@@ -17093,7 +17101,7 @@
               <a:t>(3)	</a:t>
             </a:r>
             <a:r>
-              <a:rPr lang="zh-CN" altLang="en-US" sz="3200" dirty="0">
+              <a:rPr lang="zh-CN" altLang="en-US" sz="3200" b="1" dirty="0">
                 <a:solidFill>
                   <a:schemeClr val="bg1"/>
                 </a:solidFill>
@@ -17103,7 +17111,7 @@
           </a:p>
           <a:p>
             <a:r>
-              <a:rPr lang="en-US" altLang="zh-CN" sz="3200" dirty="0">
+              <a:rPr lang="en-US" altLang="zh-CN" sz="3200" b="1" dirty="0">
                 <a:solidFill>
                   <a:schemeClr val="bg1"/>
                 </a:solidFill>
@@ -17112,7 +17120,7 @@
               <a:t></a:t>
             </a:r>
             <a:r>
-              <a:rPr lang="zh-CN" altLang="en-US" sz="3200" dirty="0" smtClean="0">
+              <a:rPr lang="zh-CN" altLang="en-US" sz="3200" b="1" dirty="0" smtClean="0">
                 <a:solidFill>
                   <a:schemeClr val="bg1"/>
                 </a:solidFill>
@@ -17120,7 +17128,7 @@
               <a:t>“</a:t>
             </a:r>
             <a:r>
-              <a:rPr lang="zh-CN" altLang="en-US" sz="3200" dirty="0">
+              <a:rPr lang="zh-CN" altLang="en-US" sz="3200" b="1" dirty="0">
                 <a:solidFill>
                   <a:schemeClr val="bg1"/>
                 </a:solidFill>
@@ -17128,7 +17136,7 @@
               <a:t>最小化包间的耦合关系”的原则是：最大限度减少包之间的依赖，进行包封装时，避免包之间的循环依赖；最小化每个包中</a:t>
             </a:r>
             <a:r>
-              <a:rPr lang="en-US" altLang="zh-CN" sz="3200" dirty="0">
+              <a:rPr lang="en-US" altLang="zh-CN" sz="3200" b="1" dirty="0">
                 <a:solidFill>
                   <a:schemeClr val="bg1"/>
                 </a:solidFill>
@@ -17136,7 +17144,7 @@
               <a:t>public</a:t>
             </a:r>
             <a:r>
-              <a:rPr lang="zh-CN" altLang="en-US" sz="3200" dirty="0">
+              <a:rPr lang="zh-CN" altLang="en-US" sz="3200" b="1" dirty="0">
                 <a:solidFill>
                   <a:schemeClr val="bg1"/>
                 </a:solidFill>
@@ -17144,7 +17152,7 @@
               <a:t>、</a:t>
             </a:r>
             <a:r>
-              <a:rPr lang="en-US" altLang="zh-CN" sz="3200" dirty="0">
+              <a:rPr lang="en-US" altLang="zh-CN" sz="3200" b="1" dirty="0">
                 <a:solidFill>
                   <a:schemeClr val="bg1"/>
                 </a:solidFill>
@@ -17152,7 +17160,7 @@
               <a:t>protected</a:t>
             </a:r>
             <a:r>
-              <a:rPr lang="zh-CN" altLang="en-US" sz="3200" dirty="0">
+              <a:rPr lang="zh-CN" altLang="en-US" sz="3200" b="1" dirty="0">
                 <a:solidFill>
                   <a:schemeClr val="bg1"/>
                 </a:solidFill>
@@ -17160,7 +17168,7 @@
               <a:t>元素的个数，最大化每个包中</a:t>
             </a:r>
             <a:r>
-              <a:rPr lang="en-US" altLang="zh-CN" sz="3200" dirty="0">
+              <a:rPr lang="en-US" altLang="zh-CN" sz="3200" b="1" dirty="0">
                 <a:solidFill>
                   <a:schemeClr val="bg1"/>
                 </a:solidFill>
@@ -17168,7 +17176,7 @@
               <a:t>private</a:t>
             </a:r>
             <a:r>
-              <a:rPr lang="zh-CN" altLang="en-US" sz="3200" dirty="0">
+              <a:rPr lang="zh-CN" altLang="en-US" sz="3200" b="1" dirty="0">
                 <a:solidFill>
                   <a:schemeClr val="bg1"/>
                 </a:solidFill>
@@ -18326,7 +18334,15 @@
                   <a:schemeClr val="bg1"/>
                 </a:solidFill>
               </a:rPr>
-              <a:t>对象图与类</a:t>
+              <a:t>对象图与类图</a:t>
+            </a:r>
+            <a:r>
+              <a:rPr lang="zh-CN" altLang="en-US" sz="3600" dirty="0" smtClean="0">
+                <a:solidFill>
+                  <a:schemeClr val="bg1"/>
+                </a:solidFill>
+              </a:rPr>
+              <a:t>在表示上</a:t>
             </a:r>
             <a:r>
               <a:rPr lang="zh-CN" altLang="zh-CN" sz="3600" dirty="0" smtClean="0">
@@ -18334,31 +18350,7 @@
                   <a:schemeClr val="bg1"/>
                 </a:solidFill>
               </a:rPr>
-              <a:t>图</a:t>
-            </a:r>
-            <a:r>
-              <a:rPr lang="zh-CN" altLang="en-US" sz="3600" dirty="0" smtClean="0">
-                <a:solidFill>
-                  <a:schemeClr val="bg1"/>
-                </a:solidFill>
-              </a:rPr>
-              <a:t>在表示上</a:t>
-            </a:r>
-            <a:r>
-              <a:rPr lang="zh-CN" altLang="zh-CN" sz="3600" dirty="0" smtClean="0">
-                <a:solidFill>
-                  <a:schemeClr val="bg1"/>
-                </a:solidFill>
-              </a:rPr>
-              <a:t>有</a:t>
-            </a:r>
-            <a:r>
-              <a:rPr lang="zh-CN" altLang="zh-CN" sz="3600" dirty="0" smtClean="0">
-                <a:solidFill>
-                  <a:schemeClr val="bg1"/>
-                </a:solidFill>
-              </a:rPr>
-              <a:t>什么不同之处</a:t>
+              <a:t>有什么不同之处</a:t>
             </a:r>
             <a:endParaRPr lang="zh-CN" altLang="zh-CN" sz="3600" dirty="0">
               <a:solidFill>
@@ -18818,7 +18810,7 @@
           </a:lstStyle>
           <a:p>
             <a:r>
-              <a:rPr lang="en-US" altLang="zh-CN" sz="2800" dirty="0" smtClean="0">
+              <a:rPr lang="en-US" altLang="zh-CN" sz="2800" b="1" dirty="0" smtClean="0">
                 <a:solidFill>
                   <a:schemeClr val="bg1"/>
                 </a:solidFill>
@@ -18830,7 +18822,7 @@
           </a:p>
           <a:p>
             <a:r>
-              <a:rPr lang="en-US" altLang="zh-CN" sz="2800" dirty="0" smtClean="0">
+              <a:rPr lang="en-US" altLang="zh-CN" sz="2800" b="1" dirty="0" smtClean="0">
                 <a:solidFill>
                   <a:schemeClr val="bg1"/>
                 </a:solidFill>
@@ -18840,7 +18832,7 @@
               <a:t>1.</a:t>
             </a:r>
             <a:r>
-              <a:rPr lang="zh-CN" altLang="en-US" sz="2800" dirty="0" smtClean="0">
+              <a:rPr lang="zh-CN" altLang="en-US" sz="2800" b="1" dirty="0" smtClean="0">
                 <a:solidFill>
                   <a:schemeClr val="bg1"/>
                 </a:solidFill>
@@ -18852,7 +18844,7 @@
           </a:p>
           <a:p>
             <a:r>
-              <a:rPr lang="en-US" altLang="zh-CN" sz="2800" dirty="0" smtClean="0">
+              <a:rPr lang="en-US" altLang="zh-CN" sz="2800" b="1" dirty="0" smtClean="0">
                 <a:solidFill>
                   <a:schemeClr val="bg1"/>
                 </a:solidFill>
@@ -18862,7 +18854,7 @@
               <a:t>2.</a:t>
             </a:r>
             <a:r>
-              <a:rPr lang="zh-CN" altLang="en-US" sz="2800" dirty="0" smtClean="0">
+              <a:rPr lang="zh-CN" altLang="en-US" sz="2800" b="1" dirty="0" smtClean="0">
                 <a:solidFill>
                   <a:schemeClr val="bg1"/>
                 </a:solidFill>
@@ -18874,7 +18866,7 @@
           </a:p>
           <a:p>
             <a:r>
-              <a:rPr lang="en-US" altLang="zh-CN" sz="2800" dirty="0" smtClean="0">
+              <a:rPr lang="en-US" altLang="zh-CN" sz="2800" b="1" dirty="0" smtClean="0">
                 <a:solidFill>
                   <a:schemeClr val="bg1"/>
                 </a:solidFill>
@@ -18884,7 +18876,7 @@
               <a:t>3.</a:t>
             </a:r>
             <a:r>
-              <a:rPr lang="zh-CN" altLang="en-US" sz="2800" dirty="0" smtClean="0">
+              <a:rPr lang="zh-CN" altLang="en-US" sz="2800" b="1" dirty="0" smtClean="0">
                 <a:solidFill>
                   <a:schemeClr val="bg1"/>
                 </a:solidFill>
@@ -18896,7 +18888,7 @@
           </a:p>
           <a:p>
             <a:r>
-              <a:rPr lang="en-US" altLang="zh-CN" sz="2800" dirty="0" smtClean="0">
+              <a:rPr lang="en-US" altLang="zh-CN" sz="2800" b="1" dirty="0" smtClean="0">
                 <a:solidFill>
                   <a:schemeClr val="bg1"/>
                 </a:solidFill>
@@ -18907,7 +18899,7 @@
             </a:r>
           </a:p>
           <a:p>
-            <a:endParaRPr lang="zh-CN" altLang="en-US" sz="2800" dirty="0">
+            <a:endParaRPr lang="zh-CN" altLang="en-US" sz="2800" b="1" dirty="0">
               <a:solidFill>
                 <a:schemeClr val="bg1"/>
               </a:solidFill>
@@ -19738,7 +19730,7 @@
           </a:lstStyle>
           <a:p>
             <a:r>
-              <a:rPr lang="en-US" altLang="zh-CN" sz="3600" dirty="0" smtClean="0">
+              <a:rPr lang="en-US" altLang="zh-CN" sz="3600" b="1" dirty="0" smtClean="0">
                 <a:solidFill>
                   <a:schemeClr val="bg1"/>
                 </a:solidFill>
@@ -19748,7 +19740,7 @@
               <a:t>A: </a:t>
             </a:r>
             <a:r>
-              <a:rPr lang="zh-CN" altLang="zh-CN" sz="3600" dirty="0" smtClean="0">
+              <a:rPr lang="zh-CN" altLang="zh-CN" sz="3600" b="1" dirty="0" smtClean="0">
                 <a:solidFill>
                   <a:schemeClr val="bg1"/>
                 </a:solidFill>
@@ -19759,7 +19751,7 @@
             </a:r>
           </a:p>
           <a:p>
-            <a:endParaRPr lang="zh-CN" altLang="en-US" sz="3600" dirty="0">
+            <a:endParaRPr lang="zh-CN" altLang="en-US" sz="3600" b="1" dirty="0">
               <a:solidFill>
                 <a:schemeClr val="bg1"/>
               </a:solidFill>
@@ -20638,127 +20630,117 @@
           </a:lstStyle>
           <a:p>
             <a:r>
-              <a:rPr lang="en-US" altLang="zh-CN" sz="3200" dirty="0" smtClean="0">
+              <a:rPr lang="en-US" altLang="zh-CN" sz="3200" b="1" dirty="0" smtClean="0">
                 <a:solidFill>
                   <a:schemeClr val="bg1"/>
                 </a:solidFill>
                 <a:latin typeface="+mn-ea"/>
                 <a:ea typeface="+mn-ea"/>
               </a:rPr>
-              <a:t>A</a:t>
-            </a:r>
-            <a:r>
-              <a:rPr lang="en-US" altLang="zh-CN" sz="3200" dirty="0" smtClean="0">
+              <a:t>A:</a:t>
+            </a:r>
+          </a:p>
+          <a:p>
+            <a:r>
+              <a:rPr lang="en-US" altLang="zh-CN" sz="3200" b="1" dirty="0">
+                <a:solidFill>
+                  <a:schemeClr val="bg1"/>
+                </a:solidFill>
+                <a:sym typeface="Wingdings 2" pitchFamily="18" charset="2"/>
+              </a:rPr>
+              <a:t></a:t>
+            </a:r>
+            <a:r>
+              <a:rPr lang="zh-CN" altLang="en-US" sz="3200" b="1" dirty="0" smtClean="0">
                 <a:solidFill>
                   <a:schemeClr val="bg1"/>
                 </a:solidFill>
                 <a:latin typeface="+mn-ea"/>
                 <a:ea typeface="+mn-ea"/>
               </a:rPr>
-              <a:t>:</a:t>
-            </a:r>
-          </a:p>
-          <a:p>
-            <a:r>
-              <a:rPr lang="en-US" altLang="zh-CN" sz="3200" dirty="0">
-                <a:solidFill>
-                  <a:schemeClr val="bg1"/>
-                </a:solidFill>
-                <a:sym typeface="Wingdings 2" pitchFamily="18" charset="2"/>
-              </a:rPr>
-              <a:t></a:t>
-            </a:r>
-            <a:r>
-              <a:rPr lang="zh-CN" altLang="en-US" sz="3200" dirty="0" smtClean="0">
+              <a:t>当</a:t>
+            </a:r>
+            <a:r>
+              <a:rPr lang="zh-CN" altLang="en-US" sz="3200" b="1" dirty="0">
                 <a:solidFill>
                   <a:schemeClr val="bg1"/>
                 </a:solidFill>
                 <a:latin typeface="+mn-ea"/>
                 <a:ea typeface="+mn-ea"/>
               </a:rPr>
-              <a:t>当</a:t>
-            </a:r>
-            <a:r>
-              <a:rPr lang="zh-CN" altLang="en-US" sz="3200" dirty="0">
+              <a:t>客户包与提供者包之间是</a:t>
+            </a:r>
+            <a:r>
+              <a:rPr lang="en-US" altLang="zh-CN" sz="3200" b="1" dirty="0">
                 <a:solidFill>
                   <a:schemeClr val="bg1"/>
                 </a:solidFill>
                 <a:latin typeface="+mn-ea"/>
                 <a:ea typeface="+mn-ea"/>
               </a:rPr>
-              <a:t>客户包与提供者包之间是</a:t>
-            </a:r>
-            <a:r>
-              <a:rPr lang="en-US" altLang="zh-CN" sz="3200" dirty="0">
+              <a:t>&lt;&lt;import&gt;&gt;</a:t>
+            </a:r>
+            <a:r>
+              <a:rPr lang="zh-CN" altLang="en-US" sz="3200" b="1" dirty="0">
                 <a:solidFill>
                   <a:schemeClr val="bg1"/>
                 </a:solidFill>
                 <a:latin typeface="+mn-ea"/>
                 <a:ea typeface="+mn-ea"/>
               </a:rPr>
-              <a:t>&lt;&lt;import&gt;&gt;</a:t>
-            </a:r>
-            <a:r>
-              <a:rPr lang="zh-CN" altLang="en-US" sz="3200" dirty="0">
+              <a:t>依赖时，提供者包中的公共元素就成为客户包中的公共</a:t>
+            </a:r>
+            <a:r>
+              <a:rPr lang="zh-CN" altLang="en-US" sz="3200" b="1" dirty="0" smtClean="0">
                 <a:solidFill>
                   <a:schemeClr val="bg1"/>
                 </a:solidFill>
                 <a:latin typeface="+mn-ea"/>
                 <a:ea typeface="+mn-ea"/>
               </a:rPr>
-              <a:t>依赖时，提供者包中的公共元素就成为客户包中的公共</a:t>
-            </a:r>
-            <a:r>
-              <a:rPr lang="zh-CN" altLang="en-US" sz="3200" dirty="0" smtClean="0">
+              <a:t>元素，这些共有元素</a:t>
+            </a:r>
+            <a:r>
+              <a:rPr lang="zh-CN" altLang="en-US" sz="3200" b="1" dirty="0">
                 <a:solidFill>
                   <a:schemeClr val="bg1"/>
                 </a:solidFill>
                 <a:latin typeface="+mn-ea"/>
                 <a:ea typeface="+mn-ea"/>
               </a:rPr>
-              <a:t>元素，这些共有元素</a:t>
-            </a:r>
-            <a:r>
-              <a:rPr lang="zh-CN" altLang="en-US" sz="3200" dirty="0">
+              <a:t>在包外</a:t>
+            </a:r>
+            <a:r>
+              <a:rPr lang="zh-CN" altLang="en-US" sz="3200" b="1" dirty="0" smtClean="0">
                 <a:solidFill>
                   <a:schemeClr val="bg1"/>
                 </a:solidFill>
                 <a:latin typeface="+mn-ea"/>
                 <a:ea typeface="+mn-ea"/>
               </a:rPr>
-              <a:t>在包外</a:t>
-            </a:r>
-            <a:r>
-              <a:rPr lang="zh-CN" altLang="en-US" sz="3200" dirty="0" smtClean="0">
+              <a:t>是可以</a:t>
+            </a:r>
+            <a:r>
+              <a:rPr lang="zh-CN" altLang="en-US" sz="3200" b="1" dirty="0">
                 <a:solidFill>
                   <a:schemeClr val="bg1"/>
                 </a:solidFill>
                 <a:latin typeface="+mn-ea"/>
                 <a:ea typeface="+mn-ea"/>
               </a:rPr>
-              <a:t>是可以</a:t>
-            </a:r>
-            <a:r>
-              <a:rPr lang="zh-CN" altLang="en-US" sz="3200" dirty="0">
+              <a:t>访问的</a:t>
+            </a:r>
+            <a:r>
+              <a:rPr lang="zh-CN" altLang="en-US" sz="3200" b="1" dirty="0" smtClean="0">
                 <a:solidFill>
                   <a:schemeClr val="bg1"/>
                 </a:solidFill>
                 <a:latin typeface="+mn-ea"/>
                 <a:ea typeface="+mn-ea"/>
               </a:rPr>
-              <a:t>访问的</a:t>
-            </a:r>
-            <a:r>
-              <a:rPr lang="zh-CN" altLang="en-US" sz="3200" dirty="0" smtClean="0">
-                <a:solidFill>
-                  <a:schemeClr val="bg1"/>
-                </a:solidFill>
-                <a:latin typeface="+mn-ea"/>
-                <a:ea typeface="+mn-ea"/>
-              </a:rPr>
               <a:t>。</a:t>
             </a:r>
-            <a:endParaRPr lang="en-US" altLang="zh-CN" sz="3200" dirty="0" smtClean="0">
+            <a:endParaRPr lang="en-US" altLang="zh-CN" sz="3200" b="1" dirty="0" smtClean="0">
               <a:solidFill>
                 <a:schemeClr val="bg1"/>
               </a:solidFill>
@@ -20768,7 +20750,7 @@
           </a:p>
           <a:p>
             <a:r>
-              <a:rPr lang="en-US" altLang="zh-CN" sz="3200" dirty="0">
+              <a:rPr lang="en-US" altLang="zh-CN" sz="3200" b="1" dirty="0">
                 <a:solidFill>
                   <a:schemeClr val="bg1"/>
                 </a:solidFill>
@@ -20777,7 +20759,7 @@
               <a:t></a:t>
             </a:r>
             <a:r>
-              <a:rPr lang="zh-CN" altLang="en-US" sz="3200" dirty="0" smtClean="0">
+              <a:rPr lang="zh-CN" altLang="en-US" sz="3200" b="1" dirty="0" smtClean="0">
                 <a:solidFill>
                   <a:schemeClr val="bg1"/>
                 </a:solidFill>
@@ -20787,7 +20769,7 @@
               <a:t>当</a:t>
             </a:r>
             <a:r>
-              <a:rPr lang="zh-CN" altLang="en-US" sz="3200" dirty="0">
+              <a:rPr lang="zh-CN" altLang="en-US" sz="3200" b="1" dirty="0">
                 <a:solidFill>
                   <a:schemeClr val="bg1"/>
                 </a:solidFill>
@@ -20797,7 +20779,7 @@
               <a:t>客户包与提供者包之间是</a:t>
             </a:r>
             <a:r>
-              <a:rPr lang="en-US" altLang="zh-CN" sz="3200" dirty="0">
+              <a:rPr lang="en-US" altLang="zh-CN" sz="3200" b="1" dirty="0">
                 <a:solidFill>
                   <a:schemeClr val="bg1"/>
                 </a:solidFill>
@@ -20807,7 +20789,7 @@
               <a:t>&lt;&lt;access&gt;&gt;</a:t>
             </a:r>
             <a:r>
-              <a:rPr lang="zh-CN" altLang="en-US" sz="3200" dirty="0">
+              <a:rPr lang="zh-CN" altLang="en-US" sz="3200" b="1" dirty="0">
                 <a:solidFill>
                   <a:schemeClr val="bg1"/>
                 </a:solidFill>
@@ -20817,7 +20799,7 @@
               <a:t>依赖时，提供者包中的公共元素就成为客户包中的私有元素，这些私有元素在包外是不可以访问</a:t>
             </a:r>
             <a:r>
-              <a:rPr lang="zh-CN" altLang="en-US" sz="3200" dirty="0" smtClean="0">
+              <a:rPr lang="zh-CN" altLang="en-US" sz="3200" b="1" dirty="0" smtClean="0">
                 <a:solidFill>
                   <a:schemeClr val="bg1"/>
                 </a:solidFill>
@@ -20826,7 +20808,7 @@
               </a:rPr>
               <a:t>的。</a:t>
             </a:r>
-            <a:endParaRPr lang="en-US" altLang="zh-CN" sz="3200" dirty="0">
+            <a:endParaRPr lang="en-US" altLang="zh-CN" sz="3200" b="1" dirty="0">
               <a:solidFill>
                 <a:schemeClr val="bg1"/>
               </a:solidFill>
@@ -20835,7 +20817,7 @@
             </a:endParaRPr>
           </a:p>
           <a:p>
-            <a:endParaRPr lang="zh-CN" altLang="en-US" sz="3200" dirty="0">
+            <a:endParaRPr lang="zh-CN" altLang="en-US" sz="3200" b="1" dirty="0">
               <a:solidFill>
                 <a:schemeClr val="bg1"/>
               </a:solidFill>
@@ -20844,7 +20826,7 @@
             </a:endParaRPr>
           </a:p>
           <a:p>
-            <a:endParaRPr lang="zh-CN" altLang="en-US" sz="3200" dirty="0">
+            <a:endParaRPr lang="zh-CN" altLang="en-US" sz="3200" b="1" dirty="0">
               <a:solidFill>
                 <a:schemeClr val="bg1"/>
               </a:solidFill>
@@ -24711,14 +24693,14 @@
               </a:lnSpc>
             </a:pPr>
             <a:r>
-              <a:rPr lang="zh-CN" altLang="en-US" sz="9600" dirty="0" smtClean="0">
+              <a:rPr lang="zh-CN" altLang="en-US" sz="9600" b="1" dirty="0" smtClean="0">
                 <a:solidFill>
                   <a:srgbClr val="FFFFFF"/>
                 </a:solidFill>
               </a:rPr>
               <a:t>谢谢大家</a:t>
             </a:r>
-            <a:endParaRPr lang="zh-CN" altLang="en-US" sz="9600" dirty="0">
+            <a:endParaRPr lang="zh-CN" altLang="en-US" sz="9600" b="1" dirty="0">
               <a:solidFill>
                 <a:srgbClr val="FFFFFF"/>
               </a:solidFill>
